--- a/img/10/120/1010/canal-image-source.pptx
+++ b/img/10/120/1010/canal-image-source.pptx
@@ -5,11 +5,12 @@
     <p:sldMasterId id="2147483648" r:id="rId1"/>
   </p:sldMasterIdLst>
   <p:notesMasterIdLst>
-    <p:notesMasterId r:id="rId4"/>
+    <p:notesMasterId r:id="rId5"/>
   </p:notesMasterIdLst>
   <p:sldIdLst>
     <p:sldId id="256" r:id="rId2"/>
     <p:sldId id="257" r:id="rId3"/>
+    <p:sldId id="258" r:id="rId4"/>
   </p:sldIdLst>
   <p:sldSz cx="9144000" cy="6858000" type="screen4x3"/>
   <p:notesSz cx="6858000" cy="9144000"/>
@@ -611,6 +612,90 @@
             <a:fld id="{29F63167-81B7-914B-93E1-A752D06E2A6B}" type="slidenum">
               <a:rPr lang="en-US" smtClean="0"/>
               <a:t>2</a:t>
+            </a:fld>
+            <a:endParaRPr lang="en-US"/>
+          </a:p>
+        </p:txBody>
+      </p:sp>
+    </p:spTree>
+    <p:extLst>
+      <p:ext uri="{BB962C8B-B14F-4D97-AF65-F5344CB8AC3E}">
+        <p14:creationId xmlns:p14="http://schemas.microsoft.com/office/powerpoint/2010/main" val="693393168"/>
+      </p:ext>
+    </p:extLst>
+  </p:cSld>
+  <p:clrMapOvr>
+    <a:masterClrMapping/>
+  </p:clrMapOvr>
+</p:notes>
+</file>
+
+<file path=ppt/notesSlides/notesSlide3.xml><?xml version="1.0" encoding="utf-8"?>
+<p:notes xmlns:a="http://schemas.openxmlformats.org/drawingml/2006/main" xmlns:r="http://schemas.openxmlformats.org/officeDocument/2006/relationships" xmlns:p="http://schemas.openxmlformats.org/presentationml/2006/main">
+  <p:cSld>
+    <p:spTree>
+      <p:nvGrpSpPr>
+        <p:cNvPr id="1" name=""/>
+        <p:cNvGrpSpPr/>
+        <p:nvPr/>
+      </p:nvGrpSpPr>
+      <p:grpSpPr>
+        <a:xfrm>
+          <a:off x="0" y="0"/>
+          <a:ext cx="0" cy="0"/>
+          <a:chOff x="0" y="0"/>
+          <a:chExt cx="0" cy="0"/>
+        </a:xfrm>
+      </p:grpSpPr>
+      <p:sp>
+        <p:nvSpPr>
+          <p:cNvPr id="2" name="Slide Image Placeholder 1"/>
+          <p:cNvSpPr>
+            <a:spLocks noGrp="1" noRot="1" noChangeAspect="1"/>
+          </p:cNvSpPr>
+          <p:nvPr>
+            <p:ph type="sldImg"/>
+          </p:nvPr>
+        </p:nvSpPr>
+        <p:spPr/>
+      </p:sp>
+      <p:sp>
+        <p:nvSpPr>
+          <p:cNvPr id="3" name="Notes Placeholder 2"/>
+          <p:cNvSpPr>
+            <a:spLocks noGrp="1"/>
+          </p:cNvSpPr>
+          <p:nvPr>
+            <p:ph type="body" idx="1"/>
+          </p:nvPr>
+        </p:nvSpPr>
+        <p:spPr/>
+        <p:txBody>
+          <a:bodyPr/>
+          <a:lstStyle/>
+          <a:p>
+            <a:endParaRPr lang="en-US" dirty="0"/>
+          </a:p>
+        </p:txBody>
+      </p:sp>
+      <p:sp>
+        <p:nvSpPr>
+          <p:cNvPr id="4" name="Slide Number Placeholder 3"/>
+          <p:cNvSpPr>
+            <a:spLocks noGrp="1"/>
+          </p:cNvSpPr>
+          <p:nvPr>
+            <p:ph type="sldNum" sz="quarter" idx="10"/>
+          </p:nvPr>
+        </p:nvSpPr>
+        <p:spPr/>
+        <p:txBody>
+          <a:bodyPr/>
+          <a:lstStyle/>
+          <a:p>
+            <a:fld id="{29F63167-81B7-914B-93E1-A752D06E2A6B}" type="slidenum">
+              <a:rPr lang="en-US" smtClean="0"/>
+              <a:t>3</a:t>
             </a:fld>
             <a:endParaRPr lang="en-US"/>
           </a:p>
@@ -4060,7 +4145,7 @@
         </p:nvSpPr>
         <p:spPr>
           <a:xfrm>
-            <a:off x="4148802" y="4379664"/>
+            <a:off x="3560863" y="4606059"/>
             <a:ext cx="966067" cy="246221"/>
           </a:xfrm>
           <a:prstGeom prst="rect">
@@ -4091,7 +4176,7 @@
         </p:nvSpPr>
         <p:spPr>
           <a:xfrm>
-            <a:off x="4216902" y="4059761"/>
+            <a:off x="3628963" y="4286156"/>
             <a:ext cx="778933" cy="347133"/>
           </a:xfrm>
           <a:prstGeom prst="can">
@@ -4146,7 +4231,7 @@
         </p:nvSpPr>
         <p:spPr>
           <a:xfrm>
-            <a:off x="2826635" y="2789764"/>
+            <a:off x="2388568" y="3016159"/>
             <a:ext cx="1448301" cy="817035"/>
           </a:xfrm>
           <a:prstGeom prst="roundRect">
@@ -4203,7 +4288,7 @@
         </p:nvSpPr>
         <p:spPr>
           <a:xfrm>
-            <a:off x="3030337" y="3086788"/>
+            <a:off x="2592270" y="3313183"/>
             <a:ext cx="1049867" cy="364066"/>
           </a:xfrm>
           <a:prstGeom prst="ellipse">
@@ -4260,7 +4345,7 @@
         </p:nvSpPr>
         <p:spPr>
           <a:xfrm>
-            <a:off x="3023250" y="2789765"/>
+            <a:off x="2585183" y="3016160"/>
             <a:ext cx="1082348" cy="276999"/>
           </a:xfrm>
           <a:prstGeom prst="rect">
@@ -4291,7 +4376,7 @@
         </p:nvSpPr>
         <p:spPr>
           <a:xfrm>
-            <a:off x="3318457" y="2070105"/>
+            <a:off x="2730518" y="2296500"/>
             <a:ext cx="711690" cy="304800"/>
           </a:xfrm>
           <a:prstGeom prst="rect">
@@ -4353,18 +4438,15 @@
         </p:nvCxnSpPr>
         <p:spPr>
           <a:xfrm rot="10800000">
-            <a:off x="3555272" y="3450854"/>
-            <a:ext cx="661631" cy="782474"/>
+            <a:off x="3117205" y="3677249"/>
+            <a:ext cx="511759" cy="782474"/>
           </a:xfrm>
           <a:prstGeom prst="curvedConnector2">
             <a:avLst/>
           </a:prstGeom>
           <a:ln w="3175" cmpd="sng">
             <a:solidFill>
-              <a:schemeClr val="tx1">
-                <a:lumMod val="50000"/>
-                <a:lumOff val="50000"/>
-              </a:schemeClr>
+              <a:srgbClr val="3366FF"/>
             </a:solidFill>
             <a:tailEnd type="stealth" w="lg" len="lg"/>
           </a:ln>
@@ -4392,7 +4474,7 @@
         </p:nvSpPr>
         <p:spPr>
           <a:xfrm>
-            <a:off x="2619557" y="3576464"/>
+            <a:off x="2181490" y="3802859"/>
             <a:ext cx="1060043" cy="400110"/>
           </a:xfrm>
           <a:prstGeom prst="rect">
@@ -4432,7 +4514,7 @@
         </p:nvSpPr>
         <p:spPr>
           <a:xfrm>
-            <a:off x="4914648" y="2789765"/>
+            <a:off x="4176837" y="3016160"/>
             <a:ext cx="1448301" cy="817035"/>
           </a:xfrm>
           <a:prstGeom prst="roundRect">
@@ -4490,7 +4572,7 @@
         </p:nvSpPr>
         <p:spPr>
           <a:xfrm>
-            <a:off x="5118350" y="3086789"/>
+            <a:off x="4380539" y="3313184"/>
             <a:ext cx="1049867" cy="364066"/>
           </a:xfrm>
           <a:prstGeom prst="ellipse">
@@ -4549,7 +4631,7 @@
         </p:nvSpPr>
         <p:spPr>
           <a:xfrm>
-            <a:off x="5111263" y="2789766"/>
+            <a:off x="4373452" y="3016161"/>
             <a:ext cx="1082348" cy="276999"/>
           </a:xfrm>
           <a:prstGeom prst="rect">
@@ -4592,7 +4674,7 @@
         </p:nvSpPr>
         <p:spPr>
           <a:xfrm>
-            <a:off x="5076257" y="2070106"/>
+            <a:off x="4488318" y="2296501"/>
             <a:ext cx="711690" cy="304800"/>
           </a:xfrm>
           <a:prstGeom prst="rect">
@@ -4652,7 +4734,7 @@
         </p:nvSpPr>
         <p:spPr>
           <a:xfrm>
-            <a:off x="5504727" y="3572216"/>
+            <a:off x="4766916" y="3798611"/>
             <a:ext cx="1060043" cy="400110"/>
           </a:xfrm>
           <a:prstGeom prst="rect">
@@ -4713,18 +4795,15 @@
         </p:nvCxnSpPr>
         <p:spPr>
           <a:xfrm flipV="1">
-            <a:off x="4995835" y="3450855"/>
-            <a:ext cx="647449" cy="782473"/>
+            <a:off x="4407896" y="3677250"/>
+            <a:ext cx="497577" cy="782473"/>
           </a:xfrm>
           <a:prstGeom prst="curvedConnector2">
             <a:avLst/>
           </a:prstGeom>
           <a:ln w="3175" cmpd="sng">
             <a:solidFill>
-              <a:schemeClr val="tx1">
-                <a:lumMod val="50000"/>
-                <a:lumOff val="50000"/>
-              </a:schemeClr>
+              <a:srgbClr val="3366FF"/>
             </a:solidFill>
             <a:prstDash val="dash"/>
             <a:tailEnd type="stealth" w="lg" len="lg"/>
@@ -4753,8 +4832,8 @@
         </p:nvSpPr>
         <p:spPr>
           <a:xfrm>
-            <a:off x="2648536" y="2726266"/>
-            <a:ext cx="3916234" cy="1261533"/>
+            <a:off x="2242273" y="2952661"/>
+            <a:ext cx="3525872" cy="1261533"/>
           </a:xfrm>
           <a:prstGeom prst="rect">
             <a:avLst/>
@@ -4804,8 +4883,8 @@
         </p:nvCxnSpPr>
         <p:spPr>
           <a:xfrm rot="16200000" flipV="1">
-            <a:off x="3964798" y="2084410"/>
-            <a:ext cx="351361" cy="932351"/>
+            <a:off x="3370106" y="2317558"/>
+            <a:ext cx="351361" cy="918846"/>
           </a:xfrm>
           <a:prstGeom prst="bentConnector3">
             <a:avLst>
@@ -4814,10 +4893,7 @@
           </a:prstGeom>
           <a:ln w="3175" cmpd="sng">
             <a:solidFill>
-              <a:schemeClr val="tx1">
-                <a:lumMod val="50000"/>
-                <a:lumOff val="50000"/>
-              </a:schemeClr>
+              <a:srgbClr val="3366FF"/>
             </a:solidFill>
             <a:tailEnd type="stealth" w="lg" len="lg"/>
           </a:ln>
@@ -4848,12 +4924,455 @@
         </p:nvCxnSpPr>
         <p:spPr>
           <a:xfrm rot="5400000" flipH="1" flipV="1">
-            <a:off x="4843697" y="2137862"/>
-            <a:ext cx="351360" cy="825449"/>
+            <a:off x="4249006" y="2357504"/>
+            <a:ext cx="351360" cy="838954"/>
           </a:xfrm>
           <a:prstGeom prst="bentConnector3">
             <a:avLst>
               <a:gd name="adj1" fmla="val 50000"/>
+            </a:avLst>
+          </a:prstGeom>
+          <a:ln w="3175" cmpd="sng">
+            <a:solidFill>
+              <a:srgbClr val="3366FF"/>
+            </a:solidFill>
+            <a:prstDash val="dash"/>
+            <a:tailEnd type="stealth" w="lg" len="lg"/>
+          </a:ln>
+        </p:spPr>
+        <p:style>
+          <a:lnRef idx="2">
+            <a:schemeClr val="accent1"/>
+          </a:lnRef>
+          <a:fillRef idx="0">
+            <a:schemeClr val="accent1"/>
+          </a:fillRef>
+          <a:effectRef idx="1">
+            <a:schemeClr val="accent1"/>
+          </a:effectRef>
+          <a:fontRef idx="minor">
+            <a:schemeClr val="tx1"/>
+          </a:fontRef>
+        </p:style>
+      </p:cxnSp>
+      <p:sp>
+        <p:nvSpPr>
+          <p:cNvPr id="36" name="TextBox 35"/>
+          <p:cNvSpPr txBox="1"/>
+          <p:nvPr/>
+        </p:nvSpPr>
+        <p:spPr>
+          <a:xfrm>
+            <a:off x="3379104" y="2326861"/>
+            <a:ext cx="526995" cy="246221"/>
+          </a:xfrm>
+          <a:prstGeom prst="rect">
+            <a:avLst/>
+          </a:prstGeom>
+          <a:noFill/>
+        </p:spPr>
+        <p:txBody>
+          <a:bodyPr wrap="none" rtlCol="0">
+            <a:spAutoFit/>
+          </a:bodyPr>
+          <a:lstStyle/>
+          <a:p>
+            <a:r>
+              <a:rPr lang="en-US" sz="1000" dirty="0" smtClean="0"/>
+              <a:t>Online</a:t>
+            </a:r>
+            <a:endParaRPr lang="en-US" sz="1000" dirty="0"/>
+          </a:p>
+        </p:txBody>
+      </p:sp>
+      <p:sp>
+        <p:nvSpPr>
+          <p:cNvPr id="37" name="TextBox 36"/>
+          <p:cNvSpPr txBox="1"/>
+          <p:nvPr/>
+        </p:nvSpPr>
+        <p:spPr>
+          <a:xfrm>
+            <a:off x="3951163" y="2326861"/>
+            <a:ext cx="608147" cy="246221"/>
+          </a:xfrm>
+          <a:prstGeom prst="rect">
+            <a:avLst/>
+          </a:prstGeom>
+          <a:noFill/>
+        </p:spPr>
+        <p:txBody>
+          <a:bodyPr wrap="none" rtlCol="0">
+            <a:spAutoFit/>
+          </a:bodyPr>
+          <a:lstStyle/>
+          <a:p>
+            <a:r>
+              <a:rPr lang="en-US" sz="1000" dirty="0" smtClean="0">
+                <a:solidFill>
+                  <a:schemeClr val="bg1">
+                    <a:lumMod val="50000"/>
+                  </a:schemeClr>
+                </a:solidFill>
+              </a:rPr>
+              <a:t>Standby</a:t>
+            </a:r>
+            <a:endParaRPr lang="en-US" sz="1000" dirty="0">
+              <a:solidFill>
+                <a:schemeClr val="bg1">
+                  <a:lumMod val="50000"/>
+                </a:schemeClr>
+              </a:solidFill>
+            </a:endParaRPr>
+          </a:p>
+        </p:txBody>
+      </p:sp>
+      <p:sp>
+        <p:nvSpPr>
+          <p:cNvPr id="31" name="Rectangle 30"/>
+          <p:cNvSpPr/>
+          <p:nvPr/>
+        </p:nvSpPr>
+        <p:spPr>
+          <a:xfrm>
+            <a:off x="6146314" y="3809567"/>
+            <a:ext cx="736600" cy="246992"/>
+          </a:xfrm>
+          <a:prstGeom prst="rect">
+            <a:avLst/>
+          </a:prstGeom>
+          <a:solidFill>
+            <a:srgbClr val="21FF06">
+              <a:alpha val="40000"/>
+            </a:srgbClr>
+          </a:solidFill>
+          <a:ln>
+            <a:noFill/>
+          </a:ln>
+          <a:effectLst>
+            <a:outerShdw blurRad="40005" dist="22987" dir="5400000" algn="tl" rotWithShape="0">
+              <a:srgbClr val="000000">
+                <a:alpha val="35000"/>
+              </a:srgbClr>
+            </a:outerShdw>
+          </a:effectLst>
+        </p:spPr>
+        <p:style>
+          <a:lnRef idx="1">
+            <a:schemeClr val="accent1"/>
+          </a:lnRef>
+          <a:fillRef idx="3">
+            <a:schemeClr val="accent1"/>
+          </a:fillRef>
+          <a:effectRef idx="2">
+            <a:schemeClr val="accent1"/>
+          </a:effectRef>
+          <a:fontRef idx="minor">
+            <a:schemeClr val="lt1"/>
+          </a:fontRef>
+        </p:style>
+        <p:txBody>
+          <a:bodyPr rtlCol="0" anchor="ctr"/>
+          <a:lstStyle/>
+          <a:p>
+            <a:pPr algn="ctr"/>
+            <a:r>
+              <a:rPr lang="en-US" altLang="zh-CN" sz="1000" dirty="0" smtClean="0">
+                <a:solidFill>
+                  <a:schemeClr val="tx1"/>
+                </a:solidFill>
+              </a:rPr>
+              <a:t>Zookeeper</a:t>
+            </a:r>
+            <a:endParaRPr lang="en-US" sz="1000" dirty="0">
+              <a:solidFill>
+                <a:schemeClr val="tx1"/>
+              </a:solidFill>
+            </a:endParaRPr>
+          </a:p>
+        </p:txBody>
+      </p:sp>
+      <p:sp>
+        <p:nvSpPr>
+          <p:cNvPr id="40" name="Rectangle 39"/>
+          <p:cNvSpPr/>
+          <p:nvPr/>
+        </p:nvSpPr>
+        <p:spPr>
+          <a:xfrm>
+            <a:off x="6146314" y="3470900"/>
+            <a:ext cx="736600" cy="246992"/>
+          </a:xfrm>
+          <a:prstGeom prst="rect">
+            <a:avLst/>
+          </a:prstGeom>
+          <a:solidFill>
+            <a:srgbClr val="21FF06">
+              <a:alpha val="40000"/>
+            </a:srgbClr>
+          </a:solidFill>
+          <a:ln>
+            <a:noFill/>
+          </a:ln>
+          <a:effectLst>
+            <a:outerShdw blurRad="40005" dist="22987" dir="5400000" algn="tl" rotWithShape="0">
+              <a:srgbClr val="000000">
+                <a:alpha val="35000"/>
+              </a:srgbClr>
+            </a:outerShdw>
+          </a:effectLst>
+        </p:spPr>
+        <p:style>
+          <a:lnRef idx="1">
+            <a:schemeClr val="accent1"/>
+          </a:lnRef>
+          <a:fillRef idx="3">
+            <a:schemeClr val="accent1"/>
+          </a:fillRef>
+          <a:effectRef idx="2">
+            <a:schemeClr val="accent1"/>
+          </a:effectRef>
+          <a:fontRef idx="minor">
+            <a:schemeClr val="lt1"/>
+          </a:fontRef>
+        </p:style>
+        <p:txBody>
+          <a:bodyPr rtlCol="0" anchor="ctr"/>
+          <a:lstStyle/>
+          <a:p>
+            <a:pPr algn="ctr"/>
+            <a:r>
+              <a:rPr lang="en-US" altLang="zh-CN" sz="1000" dirty="0" smtClean="0">
+                <a:solidFill>
+                  <a:schemeClr val="tx1"/>
+                </a:solidFill>
+              </a:rPr>
+              <a:t>Zookeeper</a:t>
+            </a:r>
+            <a:endParaRPr lang="en-US" sz="1000" dirty="0">
+              <a:solidFill>
+                <a:schemeClr val="tx1"/>
+              </a:solidFill>
+            </a:endParaRPr>
+          </a:p>
+        </p:txBody>
+      </p:sp>
+      <p:sp>
+        <p:nvSpPr>
+          <p:cNvPr id="41" name="Rectangle 40"/>
+          <p:cNvSpPr/>
+          <p:nvPr/>
+        </p:nvSpPr>
+        <p:spPr>
+          <a:xfrm>
+            <a:off x="6129382" y="3134064"/>
+            <a:ext cx="736600" cy="246992"/>
+          </a:xfrm>
+          <a:prstGeom prst="rect">
+            <a:avLst/>
+          </a:prstGeom>
+          <a:solidFill>
+            <a:srgbClr val="21FF06">
+              <a:alpha val="40000"/>
+            </a:srgbClr>
+          </a:solidFill>
+          <a:ln>
+            <a:noFill/>
+          </a:ln>
+          <a:effectLst>
+            <a:outerShdw blurRad="40005" dist="22987" dir="5400000" algn="tl" rotWithShape="0">
+              <a:srgbClr val="000000">
+                <a:alpha val="35000"/>
+              </a:srgbClr>
+            </a:outerShdw>
+          </a:effectLst>
+        </p:spPr>
+        <p:style>
+          <a:lnRef idx="1">
+            <a:schemeClr val="accent1"/>
+          </a:lnRef>
+          <a:fillRef idx="3">
+            <a:schemeClr val="accent1"/>
+          </a:fillRef>
+          <a:effectRef idx="2">
+            <a:schemeClr val="accent1"/>
+          </a:effectRef>
+          <a:fontRef idx="minor">
+            <a:schemeClr val="lt1"/>
+          </a:fontRef>
+        </p:style>
+        <p:txBody>
+          <a:bodyPr rtlCol="0" anchor="ctr"/>
+          <a:lstStyle/>
+          <a:p>
+            <a:pPr algn="ctr"/>
+            <a:r>
+              <a:rPr lang="en-US" altLang="zh-CN" sz="1000" dirty="0" smtClean="0">
+                <a:solidFill>
+                  <a:schemeClr val="tx1"/>
+                </a:solidFill>
+              </a:rPr>
+              <a:t>Zookeeper</a:t>
+            </a:r>
+            <a:endParaRPr lang="en-US" sz="1000" dirty="0">
+              <a:solidFill>
+                <a:schemeClr val="tx1"/>
+              </a:solidFill>
+            </a:endParaRPr>
+          </a:p>
+        </p:txBody>
+      </p:sp>
+      <p:sp>
+        <p:nvSpPr>
+          <p:cNvPr id="42" name="Rectangle 41"/>
+          <p:cNvSpPr/>
+          <p:nvPr/>
+        </p:nvSpPr>
+        <p:spPr>
+          <a:xfrm>
+            <a:off x="6061645" y="3025684"/>
+            <a:ext cx="890721" cy="1118312"/>
+          </a:xfrm>
+          <a:prstGeom prst="rect">
+            <a:avLst/>
+          </a:prstGeom>
+          <a:noFill/>
+          <a:ln w="3175" cmpd="sng">
+            <a:solidFill>
+              <a:schemeClr val="tx1">
+                <a:lumMod val="50000"/>
+                <a:lumOff val="50000"/>
+              </a:schemeClr>
+            </a:solidFill>
+            <a:prstDash val="dash"/>
+          </a:ln>
+        </p:spPr>
+        <p:style>
+          <a:lnRef idx="1">
+            <a:schemeClr val="accent1"/>
+          </a:lnRef>
+          <a:fillRef idx="3">
+            <a:schemeClr val="accent1"/>
+          </a:fillRef>
+          <a:effectRef idx="2">
+            <a:schemeClr val="accent1"/>
+          </a:effectRef>
+          <a:fontRef idx="minor">
+            <a:schemeClr val="lt1"/>
+          </a:fontRef>
+        </p:style>
+        <p:txBody>
+          <a:bodyPr rtlCol="0" anchor="ctr"/>
+          <a:lstStyle/>
+          <a:p>
+            <a:pPr algn="ctr"/>
+            <a:endParaRPr lang="en-US"/>
+          </a:p>
+        </p:txBody>
+      </p:sp>
+      <p:cxnSp>
+        <p:nvCxnSpPr>
+          <p:cNvPr id="43" name="Curved Connector 26"/>
+          <p:cNvCxnSpPr>
+            <a:stCxn id="4" idx="3"/>
+            <a:endCxn id="42" idx="1"/>
+          </p:cNvCxnSpPr>
+          <p:nvPr/>
+        </p:nvCxnSpPr>
+        <p:spPr>
+          <a:xfrm>
+            <a:off x="5768145" y="3583428"/>
+            <a:ext cx="293500" cy="1412"/>
+          </a:xfrm>
+          <a:prstGeom prst="straightConnector1">
+            <a:avLst/>
+          </a:prstGeom>
+          <a:ln w="3175" cmpd="sng">
+            <a:solidFill>
+              <a:schemeClr val="tx1">
+                <a:lumMod val="50000"/>
+                <a:lumOff val="50000"/>
+              </a:schemeClr>
+            </a:solidFill>
+            <a:prstDash val="sysDash"/>
+            <a:tailEnd type="arrow" w="med" len="med"/>
+          </a:ln>
+        </p:spPr>
+        <p:style>
+          <a:lnRef idx="2">
+            <a:schemeClr val="accent1"/>
+          </a:lnRef>
+          <a:fillRef idx="0">
+            <a:schemeClr val="accent1"/>
+          </a:fillRef>
+          <a:effectRef idx="1">
+            <a:schemeClr val="accent1"/>
+          </a:effectRef>
+          <a:fontRef idx="minor">
+            <a:schemeClr val="tx1"/>
+          </a:fontRef>
+        </p:style>
+      </p:cxnSp>
+      <p:cxnSp>
+        <p:nvCxnSpPr>
+          <p:cNvPr id="52" name="Curved Connector 26"/>
+          <p:cNvCxnSpPr>
+            <a:stCxn id="23" idx="3"/>
+            <a:endCxn id="42" idx="0"/>
+          </p:cNvCxnSpPr>
+          <p:nvPr/>
+        </p:nvCxnSpPr>
+        <p:spPr>
+          <a:xfrm>
+            <a:off x="5200008" y="2448901"/>
+            <a:ext cx="1306998" cy="576783"/>
+          </a:xfrm>
+          <a:prstGeom prst="bentConnector2">
+            <a:avLst/>
+          </a:prstGeom>
+          <a:ln w="3175" cmpd="sng">
+            <a:solidFill>
+              <a:schemeClr val="tx1">
+                <a:lumMod val="50000"/>
+                <a:lumOff val="50000"/>
+              </a:schemeClr>
+            </a:solidFill>
+            <a:prstDash val="sysDash"/>
+            <a:tailEnd type="arrow" w="med" len="med"/>
+          </a:ln>
+        </p:spPr>
+        <p:style>
+          <a:lnRef idx="2">
+            <a:schemeClr val="accent1"/>
+          </a:lnRef>
+          <a:fillRef idx="0">
+            <a:schemeClr val="accent1"/>
+          </a:fillRef>
+          <a:effectRef idx="1">
+            <a:schemeClr val="accent1"/>
+          </a:effectRef>
+          <a:fontRef idx="minor">
+            <a:schemeClr val="tx1"/>
+          </a:fontRef>
+        </p:style>
+      </p:cxnSp>
+      <p:cxnSp>
+        <p:nvCxnSpPr>
+          <p:cNvPr id="55" name="Curved Connector 26"/>
+          <p:cNvCxnSpPr>
+            <a:stCxn id="8" idx="0"/>
+            <a:endCxn id="42" idx="0"/>
+          </p:cNvCxnSpPr>
+          <p:nvPr/>
+        </p:nvCxnSpPr>
+        <p:spPr>
+          <a:xfrm rot="16200000" flipH="1">
+            <a:off x="4432092" y="950771"/>
+            <a:ext cx="729184" cy="3420643"/>
+          </a:xfrm>
+          <a:prstGeom prst="bentConnector3">
+            <a:avLst>
+              <a:gd name="adj1" fmla="val -17286"/>
             </a:avLst>
           </a:prstGeom>
           <a:ln w="3175" cmpd="sng">
@@ -4863,8 +5382,8 @@
                 <a:lumOff val="50000"/>
               </a:schemeClr>
             </a:solidFill>
-            <a:prstDash val="dash"/>
-            <a:tailEnd type="stealth" w="lg" len="lg"/>
+            <a:prstDash val="sysDash"/>
+            <a:tailEnd type="arrow" w="med" len="med"/>
           </a:ln>
         </p:spPr>
         <p:style>
@@ -4882,16 +5401,46 @@
           </a:fontRef>
         </p:style>
       </p:cxnSp>
-      <p:sp>
-        <p:nvSpPr>
-          <p:cNvPr id="36" name="TextBox 35"/>
+    </p:spTree>
+    <p:extLst>
+      <p:ext uri="{BB962C8B-B14F-4D97-AF65-F5344CB8AC3E}">
+        <p14:creationId xmlns:p14="http://schemas.microsoft.com/office/powerpoint/2010/main" val="4230782458"/>
+      </p:ext>
+    </p:extLst>
+  </p:cSld>
+  <p:clrMapOvr>
+    <a:masterClrMapping/>
+  </p:clrMapOvr>
+</p:sld>
+</file>
+
+<file path=ppt/slides/slide3.xml><?xml version="1.0" encoding="utf-8"?>
+<p:sld xmlns:a="http://schemas.openxmlformats.org/drawingml/2006/main" xmlns:r="http://schemas.openxmlformats.org/officeDocument/2006/relationships" xmlns:p="http://schemas.openxmlformats.org/presentationml/2006/main">
+  <p:cSld>
+    <p:spTree>
+      <p:nvGrpSpPr>
+        <p:cNvPr id="1" name=""/>
+        <p:cNvGrpSpPr/>
+        <p:nvPr/>
+      </p:nvGrpSpPr>
+      <p:grpSpPr>
+        <a:xfrm>
+          <a:off x="0" y="0"/>
+          <a:ext cx="0" cy="0"/>
+          <a:chOff x="0" y="0"/>
+          <a:chExt cx="0" cy="0"/>
+        </a:xfrm>
+      </p:grpSpPr>
+      <p:sp>
+        <p:nvSpPr>
+          <p:cNvPr id="61" name="TextBox 60"/>
           <p:cNvSpPr txBox="1"/>
           <p:nvPr/>
         </p:nvSpPr>
         <p:spPr>
           <a:xfrm>
-            <a:off x="2766839" y="2087028"/>
-            <a:ext cx="526995" cy="246221"/>
+            <a:off x="2663365" y="4504674"/>
+            <a:ext cx="966067" cy="246221"/>
           </a:xfrm>
           <a:prstGeom prst="rect">
             <a:avLst/>
@@ -4904,9 +5453,10 @@
           </a:bodyPr>
           <a:lstStyle/>
           <a:p>
+            <a:pPr algn="r"/>
             <a:r>
               <a:rPr lang="en-US" sz="1000" dirty="0" smtClean="0"/>
-              <a:t>Online</a:t>
+              <a:t>127.0.0.1:3307</a:t>
             </a:r>
             <a:endParaRPr lang="en-US" sz="1000" dirty="0"/>
           </a:p>
@@ -4914,14 +5464,187 @@
       </p:sp>
       <p:sp>
         <p:nvSpPr>
-          <p:cNvPr id="37" name="TextBox 36"/>
+          <p:cNvPr id="2" name="Can 1"/>
+          <p:cNvSpPr/>
+          <p:nvPr/>
+        </p:nvSpPr>
+        <p:spPr>
+          <a:xfrm>
+            <a:off x="2731465" y="4184771"/>
+            <a:ext cx="778933" cy="347133"/>
+          </a:xfrm>
+          <a:prstGeom prst="can">
+            <a:avLst/>
+          </a:prstGeom>
+          <a:solidFill>
+            <a:srgbClr val="3366FF">
+              <a:alpha val="58000"/>
+            </a:srgbClr>
+          </a:solidFill>
+          <a:ln w="3175" cmpd="sng">
+            <a:solidFill>
+              <a:schemeClr val="tx1">
+                <a:lumMod val="50000"/>
+                <a:lumOff val="50000"/>
+              </a:schemeClr>
+            </a:solidFill>
+          </a:ln>
+        </p:spPr>
+        <p:style>
+          <a:lnRef idx="2">
+            <a:schemeClr val="accent1"/>
+          </a:lnRef>
+          <a:fillRef idx="1">
+            <a:schemeClr val="lt1"/>
+          </a:fillRef>
+          <a:effectRef idx="0">
+            <a:schemeClr val="accent1"/>
+          </a:effectRef>
+          <a:fontRef idx="minor">
+            <a:schemeClr val="dk1"/>
+          </a:fontRef>
+        </p:style>
+        <p:txBody>
+          <a:bodyPr rtlCol="0" anchor="ctr"/>
+          <a:lstStyle/>
+          <a:p>
+            <a:pPr algn="ctr"/>
+            <a:r>
+              <a:rPr lang="en-US" sz="1200" dirty="0" smtClean="0"/>
+              <a:t>MySQL</a:t>
+            </a:r>
+            <a:endParaRPr lang="en-US" sz="1200" dirty="0"/>
+          </a:p>
+        </p:txBody>
+      </p:sp>
+      <p:sp>
+        <p:nvSpPr>
+          <p:cNvPr id="3" name="Rounded Rectangle 2"/>
+          <p:cNvSpPr/>
+          <p:nvPr/>
+        </p:nvSpPr>
+        <p:spPr>
+          <a:xfrm>
+            <a:off x="2388568" y="3016159"/>
+            <a:ext cx="1448301" cy="817035"/>
+          </a:xfrm>
+          <a:prstGeom prst="roundRect">
+            <a:avLst>
+              <a:gd name="adj" fmla="val 30209"/>
+            </a:avLst>
+          </a:prstGeom>
+          <a:solidFill>
+            <a:schemeClr val="accent6">
+              <a:lumMod val="60000"/>
+              <a:lumOff val="40000"/>
+            </a:schemeClr>
+          </a:solidFill>
+          <a:ln w="3175" cmpd="sng">
+            <a:noFill/>
+          </a:ln>
+          <a:effectLst/>
+        </p:spPr>
+        <p:style>
+          <a:lnRef idx="1">
+            <a:schemeClr val="accent1"/>
+          </a:lnRef>
+          <a:fillRef idx="3">
+            <a:schemeClr val="accent1"/>
+          </a:fillRef>
+          <a:effectRef idx="2">
+            <a:schemeClr val="accent1"/>
+          </a:effectRef>
+          <a:fontRef idx="minor">
+            <a:schemeClr val="lt1"/>
+          </a:fontRef>
+        </p:style>
+        <p:txBody>
+          <a:bodyPr rtlCol="0" anchor="ctr"/>
+          <a:lstStyle/>
+          <a:p>
+            <a:pPr algn="ctr"/>
+            <a:endParaRPr lang="en-US">
+              <a:solidFill>
+                <a:schemeClr val="accent6">
+                  <a:lumMod val="60000"/>
+                  <a:lumOff val="40000"/>
+                </a:schemeClr>
+              </a:solidFill>
+            </a:endParaRPr>
+          </a:p>
+        </p:txBody>
+      </p:sp>
+      <p:sp>
+        <p:nvSpPr>
+          <p:cNvPr id="5" name="Oval 4"/>
+          <p:cNvSpPr/>
+          <p:nvPr/>
+        </p:nvSpPr>
+        <p:spPr>
+          <a:xfrm>
+            <a:off x="2592270" y="3313183"/>
+            <a:ext cx="1049867" cy="364066"/>
+          </a:xfrm>
+          <a:prstGeom prst="ellipse">
+            <a:avLst/>
+          </a:prstGeom>
+          <a:solidFill>
+            <a:srgbClr val="FD8008"/>
+          </a:solidFill>
+          <a:ln w="3175" cmpd="sng">
+            <a:solidFill>
+              <a:schemeClr val="bg1"/>
+            </a:solidFill>
+          </a:ln>
+        </p:spPr>
+        <p:style>
+          <a:lnRef idx="1">
+            <a:schemeClr val="accent1"/>
+          </a:lnRef>
+          <a:fillRef idx="3">
+            <a:schemeClr val="accent1"/>
+          </a:fillRef>
+          <a:effectRef idx="2">
+            <a:schemeClr val="accent1"/>
+          </a:effectRef>
+          <a:fontRef idx="minor">
+            <a:schemeClr val="lt1"/>
+          </a:fontRef>
+        </p:style>
+        <p:txBody>
+          <a:bodyPr lIns="0" tIns="0" rIns="0" bIns="0" rtlCol="0" anchor="ctr"/>
+          <a:lstStyle/>
+          <a:p>
+            <a:pPr algn="ctr"/>
+            <a:r>
+              <a:rPr lang="en-US" sz="1000" dirty="0" smtClean="0"/>
+              <a:t>Destinations:</a:t>
+            </a:r>
+          </a:p>
+          <a:p>
+            <a:pPr algn="ctr"/>
+            <a:r>
+              <a:rPr lang="en-US" sz="1000" dirty="0" smtClean="0"/>
+              <a:t>example</a:t>
+            </a:r>
+            <a:r>
+              <a:rPr lang="en-US" altLang="zh-CN" sz="1000" dirty="0" smtClean="0"/>
+              <a:t>1</a:t>
+            </a:r>
+            <a:endParaRPr lang="en-US" sz="1000" dirty="0"/>
+          </a:p>
+        </p:txBody>
+      </p:sp>
+      <p:sp>
+        <p:nvSpPr>
+          <p:cNvPr id="60" name="TextBox 59"/>
           <p:cNvSpPr txBox="1"/>
           <p:nvPr/>
         </p:nvSpPr>
         <p:spPr>
           <a:xfrm>
-            <a:off x="5827011" y="2112429"/>
-            <a:ext cx="608147" cy="246221"/>
+            <a:off x="2585183" y="3016160"/>
+            <a:ext cx="1082348" cy="276999"/>
           </a:xfrm>
           <a:prstGeom prst="rect">
             <a:avLst/>
@@ -4934,30 +5657,659 @@
           </a:bodyPr>
           <a:lstStyle/>
           <a:p>
-            <a:r>
-              <a:rPr lang="en-US" sz="1000" dirty="0" smtClean="0">
+            <a:pPr algn="r"/>
+            <a:r>
+              <a:rPr lang="en-US" sz="1200" dirty="0" smtClean="0"/>
+              <a:t>Canal Server 1</a:t>
+            </a:r>
+            <a:endParaRPr lang="en-US" sz="1200" dirty="0"/>
+          </a:p>
+        </p:txBody>
+      </p:sp>
+      <p:sp>
+        <p:nvSpPr>
+          <p:cNvPr id="8" name="Rectangle 7"/>
+          <p:cNvSpPr/>
+          <p:nvPr/>
+        </p:nvSpPr>
+        <p:spPr>
+          <a:xfrm>
+            <a:off x="2769683" y="2296500"/>
+            <a:ext cx="711690" cy="304800"/>
+          </a:xfrm>
+          <a:prstGeom prst="rect">
+            <a:avLst/>
+          </a:prstGeom>
+          <a:solidFill>
+            <a:schemeClr val="tx1">
+              <a:alpha val="70000"/>
+            </a:schemeClr>
+          </a:solidFill>
+          <a:ln>
+            <a:noFill/>
+          </a:ln>
+          <a:effectLst/>
+        </p:spPr>
+        <p:style>
+          <a:lnRef idx="1">
+            <a:schemeClr val="accent1"/>
+          </a:lnRef>
+          <a:fillRef idx="3">
+            <a:schemeClr val="accent1"/>
+          </a:fillRef>
+          <a:effectRef idx="2">
+            <a:schemeClr val="accent1"/>
+          </a:effectRef>
+          <a:fontRef idx="minor">
+            <a:schemeClr val="lt1"/>
+          </a:fontRef>
+        </p:style>
+        <p:txBody>
+          <a:bodyPr rtlCol="0" anchor="ctr"/>
+          <a:lstStyle/>
+          <a:p>
+            <a:pPr algn="ctr"/>
+            <a:r>
+              <a:rPr lang="en-US" sz="1200" dirty="0" smtClean="0">
                 <a:solidFill>
-                  <a:schemeClr val="bg1">
-                    <a:lumMod val="50000"/>
-                  </a:schemeClr>
+                  <a:schemeClr val="bg1"/>
                 </a:solidFill>
               </a:rPr>
-              <a:t>Standby</a:t>
-            </a:r>
-            <a:endParaRPr lang="en-US" sz="1000" dirty="0">
+              <a:t>Client 1</a:t>
+            </a:r>
+            <a:endParaRPr lang="en-US" sz="1200" dirty="0">
               <a:solidFill>
-                <a:schemeClr val="bg1">
-                  <a:lumMod val="50000"/>
+                <a:schemeClr val="bg1"/>
+              </a:solidFill>
+            </a:endParaRPr>
+          </a:p>
+        </p:txBody>
+      </p:sp>
+      <p:sp>
+        <p:nvSpPr>
+          <p:cNvPr id="47" name="TextBox 46"/>
+          <p:cNvSpPr txBox="1"/>
+          <p:nvPr/>
+        </p:nvSpPr>
+        <p:spPr>
+          <a:xfrm>
+            <a:off x="2511595" y="3802859"/>
+            <a:ext cx="1031064" cy="246221"/>
+          </a:xfrm>
+          <a:prstGeom prst="rect">
+            <a:avLst/>
+          </a:prstGeom>
+          <a:noFill/>
+        </p:spPr>
+        <p:txBody>
+          <a:bodyPr wrap="none" rtlCol="0">
+            <a:spAutoFit/>
+          </a:bodyPr>
+          <a:lstStyle/>
+          <a:p>
+            <a:r>
+              <a:rPr lang="en-US" sz="1000" dirty="0" smtClean="0"/>
+              <a:t>127.0.0.1:</a:t>
+            </a:r>
+            <a:r>
+              <a:rPr lang="en-US" sz="1000" dirty="0" smtClean="0"/>
+              <a:t>11111</a:t>
+            </a:r>
+          </a:p>
+        </p:txBody>
+      </p:sp>
+      <p:sp>
+        <p:nvSpPr>
+          <p:cNvPr id="19" name="Rounded Rectangle 18"/>
+          <p:cNvSpPr/>
+          <p:nvPr/>
+        </p:nvSpPr>
+        <p:spPr>
+          <a:xfrm>
+            <a:off x="4176837" y="3016160"/>
+            <a:ext cx="1448301" cy="817035"/>
+          </a:xfrm>
+          <a:prstGeom prst="roundRect">
+            <a:avLst>
+              <a:gd name="adj" fmla="val 30209"/>
+            </a:avLst>
+          </a:prstGeom>
+          <a:solidFill>
+            <a:schemeClr val="accent6">
+              <a:lumMod val="60000"/>
+              <a:lumOff val="40000"/>
+            </a:schemeClr>
+          </a:solidFill>
+          <a:ln w="3175" cmpd="sng">
+            <a:noFill/>
+          </a:ln>
+          <a:effectLst/>
+        </p:spPr>
+        <p:style>
+          <a:lnRef idx="1">
+            <a:schemeClr val="accent1"/>
+          </a:lnRef>
+          <a:fillRef idx="3">
+            <a:schemeClr val="accent1"/>
+          </a:fillRef>
+          <a:effectRef idx="2">
+            <a:schemeClr val="accent1"/>
+          </a:effectRef>
+          <a:fontRef idx="minor">
+            <a:schemeClr val="lt1"/>
+          </a:fontRef>
+        </p:style>
+        <p:txBody>
+          <a:bodyPr rtlCol="0" anchor="ctr"/>
+          <a:lstStyle/>
+          <a:p>
+            <a:pPr algn="ctr"/>
+            <a:endParaRPr lang="en-US">
+              <a:solidFill>
+                <a:schemeClr val="accent6">
+                  <a:lumMod val="60000"/>
+                  <a:lumOff val="40000"/>
                 </a:schemeClr>
               </a:solidFill>
             </a:endParaRPr>
           </a:p>
         </p:txBody>
       </p:sp>
+      <p:sp>
+        <p:nvSpPr>
+          <p:cNvPr id="20" name="Oval 19"/>
+          <p:cNvSpPr/>
+          <p:nvPr/>
+        </p:nvSpPr>
+        <p:spPr>
+          <a:xfrm>
+            <a:off x="4380539" y="3313184"/>
+            <a:ext cx="1049867" cy="364066"/>
+          </a:xfrm>
+          <a:prstGeom prst="ellipse">
+            <a:avLst/>
+          </a:prstGeom>
+          <a:solidFill>
+            <a:srgbClr val="FD8008"/>
+          </a:solidFill>
+          <a:ln w="3175" cmpd="sng">
+            <a:solidFill>
+              <a:schemeClr val="bg1"/>
+            </a:solidFill>
+          </a:ln>
+        </p:spPr>
+        <p:style>
+          <a:lnRef idx="1">
+            <a:schemeClr val="accent1"/>
+          </a:lnRef>
+          <a:fillRef idx="3">
+            <a:schemeClr val="accent1"/>
+          </a:fillRef>
+          <a:effectRef idx="2">
+            <a:schemeClr val="accent1"/>
+          </a:effectRef>
+          <a:fontRef idx="minor">
+            <a:schemeClr val="lt1"/>
+          </a:fontRef>
+        </p:style>
+        <p:txBody>
+          <a:bodyPr lIns="0" tIns="0" rIns="0" bIns="0" rtlCol="0" anchor="ctr"/>
+          <a:lstStyle/>
+          <a:p>
+            <a:pPr algn="ctr"/>
+            <a:r>
+              <a:rPr lang="en-US" sz="1000" dirty="0"/>
+              <a:t>Destinations:</a:t>
+            </a:r>
+          </a:p>
+          <a:p>
+            <a:pPr algn="ctr"/>
+            <a:r>
+              <a:rPr lang="en-US" sz="1000" dirty="0"/>
+              <a:t>example</a:t>
+            </a:r>
+            <a:r>
+              <a:rPr lang="en-US" altLang="zh-CN" sz="1000" dirty="0"/>
+              <a:t>2</a:t>
+            </a:r>
+            <a:endParaRPr lang="en-US" sz="1000" dirty="0"/>
+          </a:p>
+        </p:txBody>
+      </p:sp>
+      <p:sp>
+        <p:nvSpPr>
+          <p:cNvPr id="21" name="TextBox 20"/>
+          <p:cNvSpPr txBox="1"/>
+          <p:nvPr/>
+        </p:nvSpPr>
+        <p:spPr>
+          <a:xfrm>
+            <a:off x="4373452" y="3016161"/>
+            <a:ext cx="1082348" cy="276999"/>
+          </a:xfrm>
+          <a:prstGeom prst="rect">
+            <a:avLst/>
+          </a:prstGeom>
+          <a:noFill/>
+        </p:spPr>
+        <p:txBody>
+          <a:bodyPr wrap="none" rtlCol="0">
+            <a:spAutoFit/>
+          </a:bodyPr>
+          <a:lstStyle>
+            <a:defPPr>
+              <a:defRPr lang="en-US"/>
+            </a:defPPr>
+            <a:lvl1pPr algn="r">
+              <a:defRPr sz="1200"/>
+            </a:lvl1pPr>
+          </a:lstStyle>
+          <a:p>
+            <a:r>
+              <a:rPr lang="en-US" dirty="0"/>
+              <a:t>Canal Server 2</a:t>
+            </a:r>
+            <a:endParaRPr lang="en-US" dirty="0"/>
+          </a:p>
+        </p:txBody>
+      </p:sp>
+      <p:sp>
+        <p:nvSpPr>
+          <p:cNvPr id="23" name="Rectangle 22"/>
+          <p:cNvSpPr/>
+          <p:nvPr/>
+        </p:nvSpPr>
+        <p:spPr>
+          <a:xfrm>
+            <a:off x="4544268" y="2296501"/>
+            <a:ext cx="711690" cy="304800"/>
+          </a:xfrm>
+          <a:prstGeom prst="rect">
+            <a:avLst/>
+          </a:prstGeom>
+          <a:solidFill>
+            <a:schemeClr val="tx1">
+              <a:alpha val="70000"/>
+            </a:schemeClr>
+          </a:solidFill>
+          <a:ln>
+            <a:noFill/>
+          </a:ln>
+          <a:effectLst/>
+        </p:spPr>
+        <p:style>
+          <a:lnRef idx="1">
+            <a:schemeClr val="accent1"/>
+          </a:lnRef>
+          <a:fillRef idx="3">
+            <a:schemeClr val="accent1"/>
+          </a:fillRef>
+          <a:effectRef idx="2">
+            <a:schemeClr val="accent1"/>
+          </a:effectRef>
+          <a:fontRef idx="minor">
+            <a:schemeClr val="lt1"/>
+          </a:fontRef>
+        </p:style>
+        <p:txBody>
+          <a:bodyPr rtlCol="0" anchor="ctr"/>
+          <a:lstStyle/>
+          <a:p>
+            <a:pPr algn="ctr"/>
+            <a:r>
+              <a:rPr lang="en-US" sz="1200" dirty="0">
+                <a:solidFill>
+                  <a:schemeClr val="bg1"/>
+                </a:solidFill>
+              </a:rPr>
+              <a:t>Client 2</a:t>
+            </a:r>
+            <a:endParaRPr lang="en-US" sz="1200" dirty="0">
+              <a:solidFill>
+                <a:schemeClr val="bg1"/>
+              </a:solidFill>
+            </a:endParaRPr>
+          </a:p>
+        </p:txBody>
+      </p:sp>
+      <p:sp>
+        <p:nvSpPr>
+          <p:cNvPr id="24" name="TextBox 23"/>
+          <p:cNvSpPr txBox="1"/>
+          <p:nvPr/>
+        </p:nvSpPr>
+        <p:spPr>
+          <a:xfrm>
+            <a:off x="4297940" y="3798611"/>
+            <a:ext cx="1031064" cy="246221"/>
+          </a:xfrm>
+          <a:prstGeom prst="rect">
+            <a:avLst/>
+          </a:prstGeom>
+          <a:noFill/>
+        </p:spPr>
+        <p:txBody>
+          <a:bodyPr wrap="none" rtlCol="0">
+            <a:spAutoFit/>
+          </a:bodyPr>
+          <a:lstStyle>
+            <a:defPPr>
+              <a:defRPr lang="en-US"/>
+            </a:defPPr>
+            <a:lvl1pPr>
+              <a:defRPr sz="1000"/>
+            </a:lvl1pPr>
+          </a:lstStyle>
+          <a:p>
+            <a:r>
+              <a:rPr lang="en-US" dirty="0"/>
+              <a:t>127.0.0.1:21111</a:t>
+            </a:r>
+          </a:p>
+        </p:txBody>
+      </p:sp>
+      <p:sp>
+        <p:nvSpPr>
+          <p:cNvPr id="4" name="Rectangle 3"/>
+          <p:cNvSpPr/>
+          <p:nvPr/>
+        </p:nvSpPr>
+        <p:spPr>
+          <a:xfrm>
+            <a:off x="2242273" y="2952661"/>
+            <a:ext cx="3525872" cy="1096419"/>
+          </a:xfrm>
+          <a:prstGeom prst="rect">
+            <a:avLst/>
+          </a:prstGeom>
+          <a:noFill/>
+          <a:ln w="3175" cmpd="sng">
+            <a:solidFill>
+              <a:schemeClr val="tx1">
+                <a:lumMod val="50000"/>
+                <a:lumOff val="50000"/>
+              </a:schemeClr>
+            </a:solidFill>
+            <a:prstDash val="dash"/>
+          </a:ln>
+        </p:spPr>
+        <p:style>
+          <a:lnRef idx="1">
+            <a:schemeClr val="accent1"/>
+          </a:lnRef>
+          <a:fillRef idx="3">
+            <a:schemeClr val="accent1"/>
+          </a:fillRef>
+          <a:effectRef idx="2">
+            <a:schemeClr val="accent1"/>
+          </a:effectRef>
+          <a:fontRef idx="minor">
+            <a:schemeClr val="lt1"/>
+          </a:fontRef>
+        </p:style>
+        <p:txBody>
+          <a:bodyPr rtlCol="0" anchor="ctr"/>
+          <a:lstStyle/>
+          <a:p>
+            <a:pPr algn="ctr"/>
+            <a:endParaRPr lang="en-US"/>
+          </a:p>
+        </p:txBody>
+      </p:sp>
+      <p:cxnSp>
+        <p:nvCxnSpPr>
+          <p:cNvPr id="27" name="Curved Connector 26"/>
+          <p:cNvCxnSpPr>
+            <a:stCxn id="60" idx="0"/>
+            <a:endCxn id="8" idx="2"/>
+          </p:cNvCxnSpPr>
+          <p:nvPr/>
+        </p:nvCxnSpPr>
+        <p:spPr>
+          <a:xfrm flipH="1" flipV="1">
+            <a:off x="3125528" y="2601300"/>
+            <a:ext cx="829" cy="414860"/>
+          </a:xfrm>
+          <a:prstGeom prst="straightConnector1">
+            <a:avLst/>
+          </a:prstGeom>
+          <a:ln w="3175" cmpd="sng">
+            <a:solidFill>
+              <a:srgbClr val="3366FF"/>
+            </a:solidFill>
+            <a:tailEnd type="stealth" w="lg" len="lg"/>
+          </a:ln>
+        </p:spPr>
+        <p:style>
+          <a:lnRef idx="2">
+            <a:schemeClr val="accent1"/>
+          </a:lnRef>
+          <a:fillRef idx="0">
+            <a:schemeClr val="accent1"/>
+          </a:fillRef>
+          <a:effectRef idx="1">
+            <a:schemeClr val="accent1"/>
+          </a:effectRef>
+          <a:fontRef idx="minor">
+            <a:schemeClr val="tx1"/>
+          </a:fontRef>
+        </p:style>
+      </p:cxnSp>
+      <p:cxnSp>
+        <p:nvCxnSpPr>
+          <p:cNvPr id="28" name="Curved Connector 27"/>
+          <p:cNvCxnSpPr>
+            <a:stCxn id="19" idx="0"/>
+            <a:endCxn id="23" idx="2"/>
+          </p:cNvCxnSpPr>
+          <p:nvPr/>
+        </p:nvCxnSpPr>
+        <p:spPr>
+          <a:xfrm flipH="1" flipV="1">
+            <a:off x="4900113" y="2601301"/>
+            <a:ext cx="875" cy="414859"/>
+          </a:xfrm>
+          <a:prstGeom prst="straightConnector1">
+            <a:avLst/>
+          </a:prstGeom>
+          <a:ln w="3175" cmpd="sng">
+            <a:solidFill>
+              <a:srgbClr val="3366FF"/>
+            </a:solidFill>
+            <a:tailEnd type="stealth" w="lg" len="lg"/>
+          </a:ln>
+        </p:spPr>
+        <p:style>
+          <a:lnRef idx="2">
+            <a:schemeClr val="accent1"/>
+          </a:lnRef>
+          <a:fillRef idx="0">
+            <a:schemeClr val="accent1"/>
+          </a:fillRef>
+          <a:effectRef idx="1">
+            <a:schemeClr val="accent1"/>
+          </a:effectRef>
+          <a:fontRef idx="minor">
+            <a:schemeClr val="tx1"/>
+          </a:fontRef>
+        </p:style>
+      </p:cxnSp>
+      <p:cxnSp>
+        <p:nvCxnSpPr>
+          <p:cNvPr id="29" name="Curved Connector 26"/>
+          <p:cNvCxnSpPr>
+            <a:stCxn id="2" idx="1"/>
+            <a:endCxn id="5" idx="4"/>
+          </p:cNvCxnSpPr>
+          <p:nvPr/>
+        </p:nvCxnSpPr>
+        <p:spPr>
+          <a:xfrm flipH="1" flipV="1">
+            <a:off x="3117204" y="3677249"/>
+            <a:ext cx="3728" cy="507522"/>
+          </a:xfrm>
+          <a:prstGeom prst="straightConnector1">
+            <a:avLst/>
+          </a:prstGeom>
+          <a:ln w="3175" cmpd="sng">
+            <a:solidFill>
+              <a:srgbClr val="3366FF"/>
+            </a:solidFill>
+            <a:tailEnd type="stealth" w="lg" len="lg"/>
+          </a:ln>
+        </p:spPr>
+        <p:style>
+          <a:lnRef idx="2">
+            <a:schemeClr val="accent1"/>
+          </a:lnRef>
+          <a:fillRef idx="0">
+            <a:schemeClr val="accent1"/>
+          </a:fillRef>
+          <a:effectRef idx="1">
+            <a:schemeClr val="accent1"/>
+          </a:effectRef>
+          <a:fontRef idx="minor">
+            <a:schemeClr val="tx1"/>
+          </a:fontRef>
+        </p:style>
+      </p:cxnSp>
+      <p:sp>
+        <p:nvSpPr>
+          <p:cNvPr id="32" name="TextBox 31"/>
+          <p:cNvSpPr txBox="1"/>
+          <p:nvPr/>
+        </p:nvSpPr>
+        <p:spPr>
+          <a:xfrm>
+            <a:off x="4453788" y="4504674"/>
+            <a:ext cx="966067" cy="246221"/>
+          </a:xfrm>
+          <a:prstGeom prst="rect">
+            <a:avLst/>
+          </a:prstGeom>
+          <a:noFill/>
+        </p:spPr>
+        <p:txBody>
+          <a:bodyPr wrap="none" rtlCol="0">
+            <a:spAutoFit/>
+          </a:bodyPr>
+          <a:lstStyle/>
+          <a:p>
+            <a:pPr algn="r"/>
+            <a:r>
+              <a:rPr lang="en-US" sz="1000" dirty="0" smtClean="0"/>
+              <a:t>127.0.0.1:</a:t>
+            </a:r>
+            <a:r>
+              <a:rPr lang="en-US" sz="1000" dirty="0" smtClean="0"/>
+              <a:t>330</a:t>
+            </a:r>
+            <a:r>
+              <a:rPr lang="en-US" altLang="zh-CN" sz="1000" dirty="0" smtClean="0"/>
+              <a:t>8</a:t>
+            </a:r>
+            <a:endParaRPr lang="en-US" sz="1000" dirty="0"/>
+          </a:p>
+        </p:txBody>
+      </p:sp>
+      <p:sp>
+        <p:nvSpPr>
+          <p:cNvPr id="33" name="Can 32"/>
+          <p:cNvSpPr/>
+          <p:nvPr/>
+        </p:nvSpPr>
+        <p:spPr>
+          <a:xfrm>
+            <a:off x="4521888" y="4184771"/>
+            <a:ext cx="778933" cy="347133"/>
+          </a:xfrm>
+          <a:prstGeom prst="can">
+            <a:avLst/>
+          </a:prstGeom>
+          <a:solidFill>
+            <a:srgbClr val="3366FF">
+              <a:alpha val="58000"/>
+            </a:srgbClr>
+          </a:solidFill>
+          <a:ln w="3175" cmpd="sng">
+            <a:solidFill>
+              <a:schemeClr val="tx1">
+                <a:lumMod val="50000"/>
+                <a:lumOff val="50000"/>
+              </a:schemeClr>
+            </a:solidFill>
+          </a:ln>
+        </p:spPr>
+        <p:style>
+          <a:lnRef idx="2">
+            <a:schemeClr val="accent1"/>
+          </a:lnRef>
+          <a:fillRef idx="1">
+            <a:schemeClr val="lt1"/>
+          </a:fillRef>
+          <a:effectRef idx="0">
+            <a:schemeClr val="accent1"/>
+          </a:effectRef>
+          <a:fontRef idx="minor">
+            <a:schemeClr val="dk1"/>
+          </a:fontRef>
+        </p:style>
+        <p:txBody>
+          <a:bodyPr rtlCol="0" anchor="ctr"/>
+          <a:lstStyle/>
+          <a:p>
+            <a:pPr algn="ctr"/>
+            <a:r>
+              <a:rPr lang="en-US" sz="1200" dirty="0" smtClean="0"/>
+              <a:t>MySQL</a:t>
+            </a:r>
+            <a:endParaRPr lang="en-US" sz="1200" dirty="0"/>
+          </a:p>
+        </p:txBody>
+      </p:sp>
+      <p:cxnSp>
+        <p:nvCxnSpPr>
+          <p:cNvPr id="34" name="Curved Connector 26"/>
+          <p:cNvCxnSpPr>
+            <a:stCxn id="33" idx="1"/>
+            <a:endCxn id="20" idx="4"/>
+          </p:cNvCxnSpPr>
+          <p:nvPr/>
+        </p:nvCxnSpPr>
+        <p:spPr>
+          <a:xfrm flipH="1" flipV="1">
+            <a:off x="4905473" y="3677250"/>
+            <a:ext cx="5882" cy="507521"/>
+          </a:xfrm>
+          <a:prstGeom prst="straightConnector1">
+            <a:avLst/>
+          </a:prstGeom>
+          <a:ln w="3175" cmpd="sng">
+            <a:solidFill>
+              <a:srgbClr val="3366FF"/>
+            </a:solidFill>
+            <a:tailEnd type="stealth" w="lg" len="lg"/>
+          </a:ln>
+        </p:spPr>
+        <p:style>
+          <a:lnRef idx="2">
+            <a:schemeClr val="accent1"/>
+          </a:lnRef>
+          <a:fillRef idx="0">
+            <a:schemeClr val="accent1"/>
+          </a:fillRef>
+          <a:effectRef idx="1">
+            <a:schemeClr val="accent1"/>
+          </a:effectRef>
+          <a:fontRef idx="minor">
+            <a:schemeClr val="tx1"/>
+          </a:fontRef>
+        </p:style>
+      </p:cxnSp>
     </p:spTree>
     <p:extLst>
       <p:ext uri="{BB962C8B-B14F-4D97-AF65-F5344CB8AC3E}">
-        <p14:creationId xmlns:p14="http://schemas.microsoft.com/office/powerpoint/2010/main" val="4230782458"/>
+        <p14:creationId xmlns:p14="http://schemas.microsoft.com/office/powerpoint/2010/main" val="493554325"/>
       </p:ext>
     </p:extLst>
   </p:cSld>

--- a/img/10/120/1010/canal-image-source.pptx
+++ b/img/10/120/1010/canal-image-source.pptx
@@ -3710,7 +3710,7 @@
         </p:nvSpPr>
         <p:spPr>
           <a:xfrm>
-            <a:off x="4148802" y="4159522"/>
+            <a:off x="4140162" y="4159522"/>
             <a:ext cx="966067" cy="246221"/>
           </a:xfrm>
           <a:prstGeom prst="rect">
@@ -3741,7 +3741,7 @@
         </p:nvSpPr>
         <p:spPr>
           <a:xfrm>
-            <a:off x="4216902" y="3839619"/>
+            <a:off x="4208262" y="3839619"/>
             <a:ext cx="778933" cy="347133"/>
           </a:xfrm>
           <a:prstGeom prst="can">
@@ -4000,7 +4000,7 @@
         </p:nvSpPr>
         <p:spPr>
           <a:xfrm>
-            <a:off x="4642605" y="3542843"/>
+            <a:off x="4556205" y="3542843"/>
             <a:ext cx="1031064" cy="246221"/>
           </a:xfrm>
           <a:prstGeom prst="rect">
@@ -4033,19 +4033,16 @@
           <p:nvPr/>
         </p:nvCxnSpPr>
         <p:spPr>
-          <a:xfrm flipH="1" flipV="1">
-            <a:off x="4598403" y="3450854"/>
-            <a:ext cx="7966" cy="388765"/>
+          <a:xfrm flipV="1">
+            <a:off x="4597729" y="3450854"/>
+            <a:ext cx="674" cy="388765"/>
           </a:xfrm>
           <a:prstGeom prst="straightConnector1">
             <a:avLst/>
           </a:prstGeom>
           <a:ln w="3175" cmpd="sng">
             <a:solidFill>
-              <a:schemeClr val="tx1">
-                <a:lumMod val="50000"/>
-                <a:lumOff val="50000"/>
-              </a:schemeClr>
+              <a:srgbClr val="3366FF"/>
             </a:solidFill>
             <a:tailEnd type="stealth" w="lg" len="lg"/>
           </a:ln>
@@ -4084,12 +4081,295 @@
           </a:prstGeom>
           <a:ln w="3175" cmpd="sng">
             <a:solidFill>
+              <a:srgbClr val="3366FF"/>
+            </a:solidFill>
+            <a:tailEnd type="stealth" w="lg" len="lg"/>
+          </a:ln>
+        </p:spPr>
+        <p:style>
+          <a:lnRef idx="2">
+            <a:schemeClr val="accent1"/>
+          </a:lnRef>
+          <a:fillRef idx="0">
+            <a:schemeClr val="accent1"/>
+          </a:fillRef>
+          <a:effectRef idx="1">
+            <a:schemeClr val="accent1"/>
+          </a:effectRef>
+          <a:fontRef idx="minor">
+            <a:schemeClr val="tx1"/>
+          </a:fontRef>
+        </p:style>
+      </p:cxnSp>
+      <p:sp>
+        <p:nvSpPr>
+          <p:cNvPr id="14" name="Rectangle 13"/>
+          <p:cNvSpPr/>
+          <p:nvPr/>
+        </p:nvSpPr>
+        <p:spPr>
+          <a:xfrm>
+            <a:off x="5852563" y="3426994"/>
+            <a:ext cx="739148" cy="246992"/>
+          </a:xfrm>
+          <a:prstGeom prst="rect">
+            <a:avLst/>
+          </a:prstGeom>
+          <a:solidFill>
+            <a:srgbClr val="21FF06">
+              <a:alpha val="40000"/>
+            </a:srgbClr>
+          </a:solidFill>
+          <a:ln>
+            <a:noFill/>
+          </a:ln>
+          <a:effectLst>
+            <a:outerShdw blurRad="40005" dist="22987" dir="5400000" algn="tl" rotWithShape="0">
+              <a:srgbClr val="000000">
+                <a:alpha val="35000"/>
+              </a:srgbClr>
+            </a:outerShdw>
+          </a:effectLst>
+        </p:spPr>
+        <p:style>
+          <a:lnRef idx="1">
+            <a:schemeClr val="accent1"/>
+          </a:lnRef>
+          <a:fillRef idx="3">
+            <a:schemeClr val="accent1"/>
+          </a:fillRef>
+          <a:effectRef idx="2">
+            <a:schemeClr val="accent1"/>
+          </a:effectRef>
+          <a:fontRef idx="minor">
+            <a:schemeClr val="lt1"/>
+          </a:fontRef>
+        </p:style>
+        <p:txBody>
+          <a:bodyPr rtlCol="0" anchor="ctr"/>
+          <a:lstStyle/>
+          <a:p>
+            <a:pPr algn="ctr"/>
+            <a:r>
+              <a:rPr lang="en-US" altLang="zh-CN" sz="1000" dirty="0" smtClean="0">
+                <a:solidFill>
+                  <a:schemeClr val="tx1"/>
+                </a:solidFill>
+              </a:rPr>
+              <a:t>Zookeeper</a:t>
+            </a:r>
+            <a:endParaRPr lang="en-US" sz="1000" dirty="0">
+              <a:solidFill>
+                <a:schemeClr val="tx1"/>
+              </a:solidFill>
+            </a:endParaRPr>
+          </a:p>
+        </p:txBody>
+      </p:sp>
+      <p:sp>
+        <p:nvSpPr>
+          <p:cNvPr id="15" name="Rectangle 14"/>
+          <p:cNvSpPr/>
+          <p:nvPr/>
+        </p:nvSpPr>
+        <p:spPr>
+          <a:xfrm>
+            <a:off x="5852563" y="3088327"/>
+            <a:ext cx="739148" cy="246992"/>
+          </a:xfrm>
+          <a:prstGeom prst="rect">
+            <a:avLst/>
+          </a:prstGeom>
+          <a:solidFill>
+            <a:srgbClr val="21FF06">
+              <a:alpha val="40000"/>
+            </a:srgbClr>
+          </a:solidFill>
+          <a:ln>
+            <a:noFill/>
+          </a:ln>
+          <a:effectLst>
+            <a:outerShdw blurRad="40005" dist="22987" dir="5400000" algn="tl" rotWithShape="0">
+              <a:srgbClr val="000000">
+                <a:alpha val="35000"/>
+              </a:srgbClr>
+            </a:outerShdw>
+          </a:effectLst>
+        </p:spPr>
+        <p:style>
+          <a:lnRef idx="1">
+            <a:schemeClr val="accent1"/>
+          </a:lnRef>
+          <a:fillRef idx="3">
+            <a:schemeClr val="accent1"/>
+          </a:fillRef>
+          <a:effectRef idx="2">
+            <a:schemeClr val="accent1"/>
+          </a:effectRef>
+          <a:fontRef idx="minor">
+            <a:schemeClr val="lt1"/>
+          </a:fontRef>
+        </p:style>
+        <p:txBody>
+          <a:bodyPr rtlCol="0" anchor="ctr"/>
+          <a:lstStyle/>
+          <a:p>
+            <a:pPr algn="ctr"/>
+            <a:r>
+              <a:rPr lang="en-US" altLang="zh-CN" sz="1000" dirty="0" smtClean="0">
+                <a:solidFill>
+                  <a:schemeClr val="tx1"/>
+                </a:solidFill>
+              </a:rPr>
+              <a:t>Zookeeper</a:t>
+            </a:r>
+            <a:endParaRPr lang="en-US" sz="1000" dirty="0">
+              <a:solidFill>
+                <a:schemeClr val="tx1"/>
+              </a:solidFill>
+            </a:endParaRPr>
+          </a:p>
+        </p:txBody>
+      </p:sp>
+      <p:sp>
+        <p:nvSpPr>
+          <p:cNvPr id="16" name="Rectangle 15"/>
+          <p:cNvSpPr/>
+          <p:nvPr/>
+        </p:nvSpPr>
+        <p:spPr>
+          <a:xfrm>
+            <a:off x="5835631" y="2751491"/>
+            <a:ext cx="739148" cy="246992"/>
+          </a:xfrm>
+          <a:prstGeom prst="rect">
+            <a:avLst/>
+          </a:prstGeom>
+          <a:solidFill>
+            <a:srgbClr val="21FF06">
+              <a:alpha val="40000"/>
+            </a:srgbClr>
+          </a:solidFill>
+          <a:ln>
+            <a:noFill/>
+          </a:ln>
+          <a:effectLst>
+            <a:outerShdw blurRad="40005" dist="22987" dir="5400000" algn="tl" rotWithShape="0">
+              <a:srgbClr val="000000">
+                <a:alpha val="35000"/>
+              </a:srgbClr>
+            </a:outerShdw>
+          </a:effectLst>
+        </p:spPr>
+        <p:style>
+          <a:lnRef idx="1">
+            <a:schemeClr val="accent1"/>
+          </a:lnRef>
+          <a:fillRef idx="3">
+            <a:schemeClr val="accent1"/>
+          </a:fillRef>
+          <a:effectRef idx="2">
+            <a:schemeClr val="accent1"/>
+          </a:effectRef>
+          <a:fontRef idx="minor">
+            <a:schemeClr val="lt1"/>
+          </a:fontRef>
+        </p:style>
+        <p:txBody>
+          <a:bodyPr rtlCol="0" anchor="ctr"/>
+          <a:lstStyle/>
+          <a:p>
+            <a:pPr algn="ctr"/>
+            <a:r>
+              <a:rPr lang="en-US" altLang="zh-CN" sz="1000" dirty="0" smtClean="0">
+                <a:solidFill>
+                  <a:schemeClr val="tx1"/>
+                </a:solidFill>
+              </a:rPr>
+              <a:t>Zookeeper</a:t>
+            </a:r>
+            <a:endParaRPr lang="en-US" sz="1000" dirty="0">
+              <a:solidFill>
+                <a:schemeClr val="tx1"/>
+              </a:solidFill>
+            </a:endParaRPr>
+          </a:p>
+        </p:txBody>
+      </p:sp>
+      <p:sp>
+        <p:nvSpPr>
+          <p:cNvPr id="17" name="Rectangle 16"/>
+          <p:cNvSpPr/>
+          <p:nvPr/>
+        </p:nvSpPr>
+        <p:spPr>
+          <a:xfrm>
+            <a:off x="5767894" y="2643111"/>
+            <a:ext cx="890721" cy="1118312"/>
+          </a:xfrm>
+          <a:prstGeom prst="rect">
+            <a:avLst/>
+          </a:prstGeom>
+          <a:noFill/>
+          <a:ln w="3175" cmpd="sng">
+            <a:solidFill>
               <a:schemeClr val="tx1">
                 <a:lumMod val="50000"/>
                 <a:lumOff val="50000"/>
               </a:schemeClr>
             </a:solidFill>
-            <a:tailEnd type="stealth" w="lg" len="lg"/>
+            <a:prstDash val="solid"/>
+          </a:ln>
+        </p:spPr>
+        <p:style>
+          <a:lnRef idx="1">
+            <a:schemeClr val="accent1"/>
+          </a:lnRef>
+          <a:fillRef idx="3">
+            <a:schemeClr val="accent1"/>
+          </a:fillRef>
+          <a:effectRef idx="2">
+            <a:schemeClr val="accent1"/>
+          </a:effectRef>
+          <a:fontRef idx="minor">
+            <a:schemeClr val="lt1"/>
+          </a:fontRef>
+        </p:style>
+        <p:txBody>
+          <a:bodyPr rtlCol="0" anchor="ctr"/>
+          <a:lstStyle/>
+          <a:p>
+            <a:pPr algn="ctr"/>
+            <a:endParaRPr lang="en-US"/>
+          </a:p>
+        </p:txBody>
+      </p:sp>
+      <p:cxnSp>
+        <p:nvCxnSpPr>
+          <p:cNvPr id="18" name="Curved Connector 26"/>
+          <p:cNvCxnSpPr>
+            <a:stCxn id="3" idx="3"/>
+            <a:endCxn id="17" idx="1"/>
+          </p:cNvCxnSpPr>
+          <p:nvPr/>
+        </p:nvCxnSpPr>
+        <p:spPr>
+          <a:xfrm>
+            <a:off x="5318068" y="3198282"/>
+            <a:ext cx="449826" cy="3985"/>
+          </a:xfrm>
+          <a:prstGeom prst="straightConnector1">
+            <a:avLst/>
+          </a:prstGeom>
+          <a:ln w="3175" cmpd="sng">
+            <a:solidFill>
+              <a:schemeClr val="tx1">
+                <a:lumMod val="50000"/>
+                <a:lumOff val="50000"/>
+              </a:schemeClr>
+            </a:solidFill>
+            <a:prstDash val="dash"/>
+            <a:tailEnd type="arrow" w="med" len="med"/>
           </a:ln>
         </p:spPr>
         <p:style>
@@ -4846,7 +5126,7 @@
                 <a:lumOff val="50000"/>
               </a:schemeClr>
             </a:solidFill>
-            <a:prstDash val="dash"/>
+            <a:prstDash val="solid"/>
           </a:ln>
         </p:spPr>
         <p:style>
@@ -5036,7 +5316,7 @@
         <p:spPr>
           <a:xfrm>
             <a:off x="6146314" y="3809567"/>
-            <a:ext cx="736600" cy="246992"/>
+            <a:ext cx="739148" cy="246992"/>
           </a:xfrm>
           <a:prstGeom prst="rect">
             <a:avLst/>
@@ -5101,7 +5381,7 @@
         <p:spPr>
           <a:xfrm>
             <a:off x="6146314" y="3470900"/>
-            <a:ext cx="736600" cy="246992"/>
+            <a:ext cx="739148" cy="246992"/>
           </a:xfrm>
           <a:prstGeom prst="rect">
             <a:avLst/>
@@ -5166,7 +5446,7 @@
         <p:spPr>
           <a:xfrm>
             <a:off x="6129382" y="3134064"/>
-            <a:ext cx="736600" cy="246992"/>
+            <a:ext cx="739148" cy="246992"/>
           </a:xfrm>
           <a:prstGeom prst="rect">
             <a:avLst/>
@@ -5244,7 +5524,7 @@
                 <a:lumOff val="50000"/>
               </a:schemeClr>
             </a:solidFill>
-            <a:prstDash val="dash"/>
+            <a:prstDash val="solid"/>
           </a:ln>
         </p:spPr>
         <p:style>
@@ -5294,7 +5574,7 @@
                 <a:lumOff val="50000"/>
               </a:schemeClr>
             </a:solidFill>
-            <a:prstDash val="sysDash"/>
+            <a:prstDash val="dash"/>
             <a:tailEnd type="arrow" w="med" len="med"/>
           </a:ln>
         </p:spPr>
@@ -5337,7 +5617,7 @@
                 <a:lumOff val="50000"/>
               </a:schemeClr>
             </a:solidFill>
-            <a:prstDash val="sysDash"/>
+            <a:prstDash val="dash"/>
             <a:tailEnd type="arrow" w="med" len="med"/>
           </a:ln>
         </p:spPr>
@@ -5382,7 +5662,7 @@
                 <a:lumOff val="50000"/>
               </a:schemeClr>
             </a:solidFill>
-            <a:prstDash val="sysDash"/>
+            <a:prstDash val="dash"/>
             <a:tailEnd type="arrow" w="med" len="med"/>
           </a:ln>
         </p:spPr>
@@ -5439,7 +5719,7 @@
         </p:nvSpPr>
         <p:spPr>
           <a:xfrm>
-            <a:off x="2663365" y="4504674"/>
+            <a:off x="3153811" y="4324553"/>
             <a:ext cx="966067" cy="246221"/>
           </a:xfrm>
           <a:prstGeom prst="rect">
@@ -5470,7 +5750,7 @@
         </p:nvSpPr>
         <p:spPr>
           <a:xfrm>
-            <a:off x="2731465" y="4184771"/>
+            <a:off x="3221911" y="4004650"/>
             <a:ext cx="778933" cy="347133"/>
           </a:xfrm>
           <a:prstGeom prst="can">
@@ -5525,8 +5805,8 @@
         </p:nvSpPr>
         <p:spPr>
           <a:xfrm>
-            <a:off x="2388568" y="3016159"/>
-            <a:ext cx="1448301" cy="817035"/>
+            <a:off x="3013596" y="3070637"/>
+            <a:ext cx="2479210" cy="772516"/>
           </a:xfrm>
           <a:prstGeom prst="roundRect">
             <a:avLst>
@@ -5582,7 +5862,7 @@
         </p:nvSpPr>
         <p:spPr>
           <a:xfrm>
-            <a:off x="2592270" y="3313183"/>
+            <a:off x="3082716" y="3323142"/>
             <a:ext cx="1049867" cy="364066"/>
           </a:xfrm>
           <a:prstGeom prst="ellipse">
@@ -5643,8 +5923,8 @@
         </p:nvSpPr>
         <p:spPr>
           <a:xfrm>
-            <a:off x="2585183" y="3016160"/>
-            <a:ext cx="1082348" cy="276999"/>
+            <a:off x="3743985" y="3070637"/>
+            <a:ext cx="966931" cy="276999"/>
           </a:xfrm>
           <a:prstGeom prst="rect">
             <a:avLst/>
@@ -5660,7 +5940,11 @@
             <a:pPr algn="r"/>
             <a:r>
               <a:rPr lang="en-US" sz="1200" dirty="0" smtClean="0"/>
-              <a:t>Canal Server 1</a:t>
+              <a:t>Canal </a:t>
+            </a:r>
+            <a:r>
+              <a:rPr lang="en-US" sz="1200" dirty="0" smtClean="0"/>
+              <a:t>Server</a:t>
             </a:r>
             <a:endParaRPr lang="en-US" sz="1200" dirty="0"/>
           </a:p>
@@ -5674,7 +5958,7 @@
         </p:nvSpPr>
         <p:spPr>
           <a:xfrm>
-            <a:off x="2769683" y="2296500"/>
+            <a:off x="3251489" y="2582939"/>
             <a:ext cx="711690" cy="304800"/>
           </a:xfrm>
           <a:prstGeom prst="rect">
@@ -5727,103 +6011,13 @@
       </p:sp>
       <p:sp>
         <p:nvSpPr>
-          <p:cNvPr id="47" name="TextBox 46"/>
-          <p:cNvSpPr txBox="1"/>
-          <p:nvPr/>
-        </p:nvSpPr>
-        <p:spPr>
-          <a:xfrm>
-            <a:off x="2511595" y="3802859"/>
-            <a:ext cx="1031064" cy="246221"/>
-          </a:xfrm>
-          <a:prstGeom prst="rect">
-            <a:avLst/>
-          </a:prstGeom>
-          <a:noFill/>
-        </p:spPr>
-        <p:txBody>
-          <a:bodyPr wrap="none" rtlCol="0">
-            <a:spAutoFit/>
-          </a:bodyPr>
-          <a:lstStyle/>
-          <a:p>
-            <a:r>
-              <a:rPr lang="en-US" sz="1000" dirty="0" smtClean="0"/>
-              <a:t>127.0.0.1:</a:t>
-            </a:r>
-            <a:r>
-              <a:rPr lang="en-US" sz="1000" dirty="0" smtClean="0"/>
-              <a:t>11111</a:t>
-            </a:r>
-          </a:p>
-        </p:txBody>
-      </p:sp>
-      <p:sp>
-        <p:nvSpPr>
-          <p:cNvPr id="19" name="Rounded Rectangle 18"/>
-          <p:cNvSpPr/>
-          <p:nvPr/>
-        </p:nvSpPr>
-        <p:spPr>
-          <a:xfrm>
-            <a:off x="4176837" y="3016160"/>
-            <a:ext cx="1448301" cy="817035"/>
-          </a:xfrm>
-          <a:prstGeom prst="roundRect">
-            <a:avLst>
-              <a:gd name="adj" fmla="val 30209"/>
-            </a:avLst>
-          </a:prstGeom>
-          <a:solidFill>
-            <a:schemeClr val="accent6">
-              <a:lumMod val="60000"/>
-              <a:lumOff val="40000"/>
-            </a:schemeClr>
-          </a:solidFill>
-          <a:ln w="3175" cmpd="sng">
-            <a:noFill/>
-          </a:ln>
-          <a:effectLst/>
-        </p:spPr>
-        <p:style>
-          <a:lnRef idx="1">
-            <a:schemeClr val="accent1"/>
-          </a:lnRef>
-          <a:fillRef idx="3">
-            <a:schemeClr val="accent1"/>
-          </a:fillRef>
-          <a:effectRef idx="2">
-            <a:schemeClr val="accent1"/>
-          </a:effectRef>
-          <a:fontRef idx="minor">
-            <a:schemeClr val="lt1"/>
-          </a:fontRef>
-        </p:style>
-        <p:txBody>
-          <a:bodyPr rtlCol="0" anchor="ctr"/>
-          <a:lstStyle/>
-          <a:p>
-            <a:pPr algn="ctr"/>
-            <a:endParaRPr lang="en-US">
-              <a:solidFill>
-                <a:schemeClr val="accent6">
-                  <a:lumMod val="60000"/>
-                  <a:lumOff val="40000"/>
-                </a:schemeClr>
-              </a:solidFill>
-            </a:endParaRPr>
-          </a:p>
-        </p:txBody>
-      </p:sp>
-      <p:sp>
-        <p:nvSpPr>
           <p:cNvPr id="20" name="Oval 19"/>
           <p:cNvSpPr/>
           <p:nvPr/>
         </p:nvSpPr>
         <p:spPr>
           <a:xfrm>
-            <a:off x="4380539" y="3313184"/>
+            <a:off x="4351934" y="3323143"/>
             <a:ext cx="1049867" cy="364066"/>
           </a:xfrm>
           <a:prstGeom prst="ellipse">
@@ -5878,50 +6072,13 @@
       </p:sp>
       <p:sp>
         <p:nvSpPr>
-          <p:cNvPr id="21" name="TextBox 20"/>
-          <p:cNvSpPr txBox="1"/>
-          <p:nvPr/>
-        </p:nvSpPr>
-        <p:spPr>
-          <a:xfrm>
-            <a:off x="4373452" y="3016161"/>
-            <a:ext cx="1082348" cy="276999"/>
-          </a:xfrm>
-          <a:prstGeom prst="rect">
-            <a:avLst/>
-          </a:prstGeom>
-          <a:noFill/>
-        </p:spPr>
-        <p:txBody>
-          <a:bodyPr wrap="none" rtlCol="0">
-            <a:spAutoFit/>
-          </a:bodyPr>
-          <a:lstStyle>
-            <a:defPPr>
-              <a:defRPr lang="en-US"/>
-            </a:defPPr>
-            <a:lvl1pPr algn="r">
-              <a:defRPr sz="1200"/>
-            </a:lvl1pPr>
-          </a:lstStyle>
-          <a:p>
-            <a:r>
-              <a:rPr lang="en-US" dirty="0"/>
-              <a:t>Canal Server 2</a:t>
-            </a:r>
-            <a:endParaRPr lang="en-US" dirty="0"/>
-          </a:p>
-        </p:txBody>
-      </p:sp>
-      <p:sp>
-        <p:nvSpPr>
           <p:cNvPr id="23" name="Rectangle 22"/>
           <p:cNvSpPr/>
           <p:nvPr/>
         </p:nvSpPr>
         <p:spPr>
           <a:xfrm>
-            <a:off x="4544268" y="2296501"/>
+            <a:off x="4516314" y="2582940"/>
             <a:ext cx="711690" cy="304800"/>
           </a:xfrm>
           <a:prstGeom prst="rect">
@@ -5972,103 +6129,19 @@
           </a:p>
         </p:txBody>
       </p:sp>
-      <p:sp>
-        <p:nvSpPr>
-          <p:cNvPr id="24" name="TextBox 23"/>
-          <p:cNvSpPr txBox="1"/>
-          <p:nvPr/>
-        </p:nvSpPr>
-        <p:spPr>
-          <a:xfrm>
-            <a:off x="4297940" y="3798611"/>
-            <a:ext cx="1031064" cy="246221"/>
-          </a:xfrm>
-          <a:prstGeom prst="rect">
-            <a:avLst/>
-          </a:prstGeom>
-          <a:noFill/>
-        </p:spPr>
-        <p:txBody>
-          <a:bodyPr wrap="none" rtlCol="0">
-            <a:spAutoFit/>
-          </a:bodyPr>
-          <a:lstStyle>
-            <a:defPPr>
-              <a:defRPr lang="en-US"/>
-            </a:defPPr>
-            <a:lvl1pPr>
-              <a:defRPr sz="1000"/>
-            </a:lvl1pPr>
-          </a:lstStyle>
-          <a:p>
-            <a:r>
-              <a:rPr lang="en-US" dirty="0"/>
-              <a:t>127.0.0.1:21111</a:t>
-            </a:r>
-          </a:p>
-        </p:txBody>
-      </p:sp>
-      <p:sp>
-        <p:nvSpPr>
-          <p:cNvPr id="4" name="Rectangle 3"/>
-          <p:cNvSpPr/>
-          <p:nvPr/>
-        </p:nvSpPr>
-        <p:spPr>
-          <a:xfrm>
-            <a:off x="2242273" y="2952661"/>
-            <a:ext cx="3525872" cy="1096419"/>
-          </a:xfrm>
-          <a:prstGeom prst="rect">
-            <a:avLst/>
-          </a:prstGeom>
-          <a:noFill/>
-          <a:ln w="3175" cmpd="sng">
-            <a:solidFill>
-              <a:schemeClr val="tx1">
-                <a:lumMod val="50000"/>
-                <a:lumOff val="50000"/>
-              </a:schemeClr>
-            </a:solidFill>
-            <a:prstDash val="dash"/>
-          </a:ln>
-        </p:spPr>
-        <p:style>
-          <a:lnRef idx="1">
-            <a:schemeClr val="accent1"/>
-          </a:lnRef>
-          <a:fillRef idx="3">
-            <a:schemeClr val="accent1"/>
-          </a:fillRef>
-          <a:effectRef idx="2">
-            <a:schemeClr val="accent1"/>
-          </a:effectRef>
-          <a:fontRef idx="minor">
-            <a:schemeClr val="lt1"/>
-          </a:fontRef>
-        </p:style>
-        <p:txBody>
-          <a:bodyPr rtlCol="0" anchor="ctr"/>
-          <a:lstStyle/>
-          <a:p>
-            <a:pPr algn="ctr"/>
-            <a:endParaRPr lang="en-US"/>
-          </a:p>
-        </p:txBody>
-      </p:sp>
       <p:cxnSp>
         <p:nvCxnSpPr>
           <p:cNvPr id="27" name="Curved Connector 26"/>
           <p:cNvCxnSpPr>
-            <a:stCxn id="60" idx="0"/>
+            <a:stCxn id="5" idx="0"/>
             <a:endCxn id="8" idx="2"/>
           </p:cNvCxnSpPr>
           <p:nvPr/>
         </p:nvCxnSpPr>
         <p:spPr>
           <a:xfrm flipH="1" flipV="1">
-            <a:off x="3125528" y="2601300"/>
-            <a:ext cx="829" cy="414860"/>
+            <a:off x="3607334" y="2887739"/>
+            <a:ext cx="316" cy="435403"/>
           </a:xfrm>
           <a:prstGeom prst="straightConnector1">
             <a:avLst/>
@@ -6099,15 +6172,15 @@
         <p:nvCxnSpPr>
           <p:cNvPr id="28" name="Curved Connector 27"/>
           <p:cNvCxnSpPr>
-            <a:stCxn id="19" idx="0"/>
+            <a:stCxn id="20" idx="0"/>
             <a:endCxn id="23" idx="2"/>
           </p:cNvCxnSpPr>
           <p:nvPr/>
         </p:nvCxnSpPr>
         <p:spPr>
           <a:xfrm flipH="1" flipV="1">
-            <a:off x="4900113" y="2601301"/>
-            <a:ext cx="875" cy="414859"/>
+            <a:off x="4872159" y="2887740"/>
+            <a:ext cx="4709" cy="435403"/>
           </a:xfrm>
           <a:prstGeom prst="straightConnector1">
             <a:avLst/>
@@ -6145,8 +6218,8 @@
         </p:nvCxnSpPr>
         <p:spPr>
           <a:xfrm flipH="1" flipV="1">
-            <a:off x="3117204" y="3677249"/>
-            <a:ext cx="3728" cy="507522"/>
+            <a:off x="3607650" y="3687208"/>
+            <a:ext cx="3728" cy="317442"/>
           </a:xfrm>
           <a:prstGeom prst="straightConnector1">
             <a:avLst/>
@@ -6181,7 +6254,7 @@
         </p:nvSpPr>
         <p:spPr>
           <a:xfrm>
-            <a:off x="4453788" y="4504674"/>
+            <a:off x="4418454" y="4297323"/>
             <a:ext cx="966067" cy="246221"/>
           </a:xfrm>
           <a:prstGeom prst="rect">
@@ -6220,7 +6293,7 @@
         </p:nvSpPr>
         <p:spPr>
           <a:xfrm>
-            <a:off x="4521888" y="4184771"/>
+            <a:off x="4486554" y="3977420"/>
             <a:ext cx="778933" cy="347133"/>
           </a:xfrm>
           <a:prstGeom prst="can">
@@ -6277,9 +6350,9 @@
           <p:nvPr/>
         </p:nvCxnSpPr>
         <p:spPr>
-          <a:xfrm flipH="1" flipV="1">
-            <a:off x="4905473" y="3677250"/>
-            <a:ext cx="5882" cy="507521"/>
+          <a:xfrm flipV="1">
+            <a:off x="4876021" y="3687209"/>
+            <a:ext cx="847" cy="290211"/>
           </a:xfrm>
           <a:prstGeom prst="straightConnector1">
             <a:avLst/>
@@ -6306,6 +6379,323 @@
           </a:fontRef>
         </p:style>
       </p:cxnSp>
+      <p:sp>
+        <p:nvSpPr>
+          <p:cNvPr id="45" name="Rectangle 44"/>
+          <p:cNvSpPr/>
+          <p:nvPr/>
+        </p:nvSpPr>
+        <p:spPr>
+          <a:xfrm>
+            <a:off x="5920300" y="3676822"/>
+            <a:ext cx="739148" cy="246992"/>
+          </a:xfrm>
+          <a:prstGeom prst="rect">
+            <a:avLst/>
+          </a:prstGeom>
+          <a:solidFill>
+            <a:srgbClr val="21FF06">
+              <a:alpha val="40000"/>
+            </a:srgbClr>
+          </a:solidFill>
+          <a:ln>
+            <a:noFill/>
+          </a:ln>
+          <a:effectLst>
+            <a:outerShdw blurRad="40005" dist="22987" dir="5400000" algn="tl" rotWithShape="0">
+              <a:srgbClr val="000000">
+                <a:alpha val="35000"/>
+              </a:srgbClr>
+            </a:outerShdw>
+          </a:effectLst>
+        </p:spPr>
+        <p:style>
+          <a:lnRef idx="1">
+            <a:schemeClr val="accent1"/>
+          </a:lnRef>
+          <a:fillRef idx="3">
+            <a:schemeClr val="accent1"/>
+          </a:fillRef>
+          <a:effectRef idx="2">
+            <a:schemeClr val="accent1"/>
+          </a:effectRef>
+          <a:fontRef idx="minor">
+            <a:schemeClr val="lt1"/>
+          </a:fontRef>
+        </p:style>
+        <p:txBody>
+          <a:bodyPr rtlCol="0" anchor="ctr"/>
+          <a:lstStyle/>
+          <a:p>
+            <a:pPr algn="ctr"/>
+            <a:r>
+              <a:rPr lang="en-US" altLang="zh-CN" sz="1000" dirty="0" smtClean="0">
+                <a:solidFill>
+                  <a:schemeClr val="tx1"/>
+                </a:solidFill>
+              </a:rPr>
+              <a:t>Zookeeper</a:t>
+            </a:r>
+            <a:endParaRPr lang="en-US" sz="1000" dirty="0">
+              <a:solidFill>
+                <a:schemeClr val="tx1"/>
+              </a:solidFill>
+            </a:endParaRPr>
+          </a:p>
+        </p:txBody>
+      </p:sp>
+      <p:sp>
+        <p:nvSpPr>
+          <p:cNvPr id="46" name="Rectangle 45"/>
+          <p:cNvSpPr/>
+          <p:nvPr/>
+        </p:nvSpPr>
+        <p:spPr>
+          <a:xfrm>
+            <a:off x="5920300" y="3338155"/>
+            <a:ext cx="739148" cy="246992"/>
+          </a:xfrm>
+          <a:prstGeom prst="rect">
+            <a:avLst/>
+          </a:prstGeom>
+          <a:solidFill>
+            <a:srgbClr val="21FF06">
+              <a:alpha val="40000"/>
+            </a:srgbClr>
+          </a:solidFill>
+          <a:ln>
+            <a:noFill/>
+          </a:ln>
+          <a:effectLst>
+            <a:outerShdw blurRad="40005" dist="22987" dir="5400000" algn="tl" rotWithShape="0">
+              <a:srgbClr val="000000">
+                <a:alpha val="35000"/>
+              </a:srgbClr>
+            </a:outerShdw>
+          </a:effectLst>
+        </p:spPr>
+        <p:style>
+          <a:lnRef idx="1">
+            <a:schemeClr val="accent1"/>
+          </a:lnRef>
+          <a:fillRef idx="3">
+            <a:schemeClr val="accent1"/>
+          </a:fillRef>
+          <a:effectRef idx="2">
+            <a:schemeClr val="accent1"/>
+          </a:effectRef>
+          <a:fontRef idx="minor">
+            <a:schemeClr val="lt1"/>
+          </a:fontRef>
+        </p:style>
+        <p:txBody>
+          <a:bodyPr rtlCol="0" anchor="ctr"/>
+          <a:lstStyle/>
+          <a:p>
+            <a:pPr algn="ctr"/>
+            <a:r>
+              <a:rPr lang="en-US" altLang="zh-CN" sz="1000" dirty="0" smtClean="0">
+                <a:solidFill>
+                  <a:schemeClr val="tx1"/>
+                </a:solidFill>
+              </a:rPr>
+              <a:t>Zookeeper</a:t>
+            </a:r>
+            <a:endParaRPr lang="en-US" sz="1000" dirty="0">
+              <a:solidFill>
+                <a:schemeClr val="tx1"/>
+              </a:solidFill>
+            </a:endParaRPr>
+          </a:p>
+        </p:txBody>
+      </p:sp>
+      <p:sp>
+        <p:nvSpPr>
+          <p:cNvPr id="48" name="Rectangle 47"/>
+          <p:cNvSpPr/>
+          <p:nvPr/>
+        </p:nvSpPr>
+        <p:spPr>
+          <a:xfrm>
+            <a:off x="5903368" y="3001319"/>
+            <a:ext cx="739148" cy="246992"/>
+          </a:xfrm>
+          <a:prstGeom prst="rect">
+            <a:avLst/>
+          </a:prstGeom>
+          <a:solidFill>
+            <a:srgbClr val="21FF06">
+              <a:alpha val="40000"/>
+            </a:srgbClr>
+          </a:solidFill>
+          <a:ln>
+            <a:noFill/>
+          </a:ln>
+          <a:effectLst>
+            <a:outerShdw blurRad="40005" dist="22987" dir="5400000" algn="tl" rotWithShape="0">
+              <a:srgbClr val="000000">
+                <a:alpha val="35000"/>
+              </a:srgbClr>
+            </a:outerShdw>
+          </a:effectLst>
+        </p:spPr>
+        <p:style>
+          <a:lnRef idx="1">
+            <a:schemeClr val="accent1"/>
+          </a:lnRef>
+          <a:fillRef idx="3">
+            <a:schemeClr val="accent1"/>
+          </a:fillRef>
+          <a:effectRef idx="2">
+            <a:schemeClr val="accent1"/>
+          </a:effectRef>
+          <a:fontRef idx="minor">
+            <a:schemeClr val="lt1"/>
+          </a:fontRef>
+        </p:style>
+        <p:txBody>
+          <a:bodyPr rtlCol="0" anchor="ctr"/>
+          <a:lstStyle/>
+          <a:p>
+            <a:pPr algn="ctr"/>
+            <a:r>
+              <a:rPr lang="en-US" altLang="zh-CN" sz="1000" dirty="0" smtClean="0">
+                <a:solidFill>
+                  <a:schemeClr val="tx1"/>
+                </a:solidFill>
+              </a:rPr>
+              <a:t>Zookeeper</a:t>
+            </a:r>
+            <a:endParaRPr lang="en-US" sz="1000" dirty="0">
+              <a:solidFill>
+                <a:schemeClr val="tx1"/>
+              </a:solidFill>
+            </a:endParaRPr>
+          </a:p>
+        </p:txBody>
+      </p:sp>
+      <p:sp>
+        <p:nvSpPr>
+          <p:cNvPr id="49" name="Rectangle 48"/>
+          <p:cNvSpPr/>
+          <p:nvPr/>
+        </p:nvSpPr>
+        <p:spPr>
+          <a:xfrm>
+            <a:off x="5835631" y="2892939"/>
+            <a:ext cx="890721" cy="1118312"/>
+          </a:xfrm>
+          <a:prstGeom prst="rect">
+            <a:avLst/>
+          </a:prstGeom>
+          <a:noFill/>
+          <a:ln w="3175" cmpd="sng">
+            <a:solidFill>
+              <a:schemeClr val="tx1">
+                <a:lumMod val="50000"/>
+                <a:lumOff val="50000"/>
+              </a:schemeClr>
+            </a:solidFill>
+            <a:prstDash val="solid"/>
+          </a:ln>
+        </p:spPr>
+        <p:style>
+          <a:lnRef idx="1">
+            <a:schemeClr val="accent1"/>
+          </a:lnRef>
+          <a:fillRef idx="3">
+            <a:schemeClr val="accent1"/>
+          </a:fillRef>
+          <a:effectRef idx="2">
+            <a:schemeClr val="accent1"/>
+          </a:effectRef>
+          <a:fontRef idx="minor">
+            <a:schemeClr val="lt1"/>
+          </a:fontRef>
+        </p:style>
+        <p:txBody>
+          <a:bodyPr rtlCol="0" anchor="ctr"/>
+          <a:lstStyle/>
+          <a:p>
+            <a:pPr algn="ctr"/>
+            <a:endParaRPr lang="en-US"/>
+          </a:p>
+        </p:txBody>
+      </p:sp>
+      <p:cxnSp>
+        <p:nvCxnSpPr>
+          <p:cNvPr id="50" name="Curved Connector 26"/>
+          <p:cNvCxnSpPr>
+            <a:stCxn id="3" idx="3"/>
+            <a:endCxn id="49" idx="1"/>
+          </p:cNvCxnSpPr>
+          <p:nvPr/>
+        </p:nvCxnSpPr>
+        <p:spPr>
+          <a:xfrm flipV="1">
+            <a:off x="5492806" y="3452095"/>
+            <a:ext cx="342825" cy="4800"/>
+          </a:xfrm>
+          <a:prstGeom prst="straightConnector1">
+            <a:avLst/>
+          </a:prstGeom>
+          <a:ln w="3175" cmpd="sng">
+            <a:solidFill>
+              <a:schemeClr val="tx1">
+                <a:lumMod val="50000"/>
+                <a:lumOff val="50000"/>
+              </a:schemeClr>
+            </a:solidFill>
+            <a:prstDash val="dash"/>
+            <a:tailEnd type="arrow" w="med" len="med"/>
+          </a:ln>
+        </p:spPr>
+        <p:style>
+          <a:lnRef idx="2">
+            <a:schemeClr val="accent1"/>
+          </a:lnRef>
+          <a:fillRef idx="0">
+            <a:schemeClr val="accent1"/>
+          </a:fillRef>
+          <a:effectRef idx="1">
+            <a:schemeClr val="accent1"/>
+          </a:effectRef>
+          <a:fontRef idx="minor">
+            <a:schemeClr val="tx1"/>
+          </a:fontRef>
+        </p:style>
+      </p:cxnSp>
+      <p:sp>
+        <p:nvSpPr>
+          <p:cNvPr id="53" name="TextBox 52"/>
+          <p:cNvSpPr txBox="1"/>
+          <p:nvPr/>
+        </p:nvSpPr>
+        <p:spPr>
+          <a:xfrm>
+            <a:off x="3718065" y="3636236"/>
+            <a:ext cx="1031064" cy="246221"/>
+          </a:xfrm>
+          <a:prstGeom prst="rect">
+            <a:avLst/>
+          </a:prstGeom>
+          <a:noFill/>
+        </p:spPr>
+        <p:txBody>
+          <a:bodyPr wrap="none" rtlCol="0">
+            <a:spAutoFit/>
+          </a:bodyPr>
+          <a:lstStyle/>
+          <a:p>
+            <a:pPr algn="r"/>
+            <a:r>
+              <a:rPr lang="en-US" sz="1000" dirty="0" smtClean="0"/>
+              <a:t>127.0.0.1:11111</a:t>
+            </a:r>
+            <a:endParaRPr lang="en-US" sz="1000" dirty="0"/>
+          </a:p>
+        </p:txBody>
+      </p:sp>
     </p:spTree>
     <p:extLst>
       <p:ext uri="{BB962C8B-B14F-4D97-AF65-F5344CB8AC3E}">

--- a/img/10/120/1010/canal-image-source.pptx
+++ b/img/10/120/1010/canal-image-source.pptx
@@ -194,7 +194,7 @@
           <a:p>
             <a:fld id="{66429DC2-E8D4-E544-9D99-FC0D1856D0CB}" type="datetimeFigureOut">
               <a:rPr lang="en-US" smtClean="0"/>
-              <a:t>19/4/14</a:t>
+              <a:t>19/4/18</a:t>
             </a:fld>
             <a:endParaRPr lang="en-US"/>
           </a:p>
@@ -895,7 +895,7 @@
           <a:p>
             <a:fld id="{9F979499-AB3E-6E46-BA2E-6B86D11B316C}" type="datetimeFigureOut">
               <a:rPr lang="en-US" smtClean="0"/>
-              <a:t>19/4/14</a:t>
+              <a:t>19/4/18</a:t>
             </a:fld>
             <a:endParaRPr lang="en-US"/>
           </a:p>
@@ -1065,7 +1065,7 @@
           <a:p>
             <a:fld id="{9F979499-AB3E-6E46-BA2E-6B86D11B316C}" type="datetimeFigureOut">
               <a:rPr lang="en-US" smtClean="0"/>
-              <a:t>19/4/14</a:t>
+              <a:t>19/4/18</a:t>
             </a:fld>
             <a:endParaRPr lang="en-US"/>
           </a:p>
@@ -1245,7 +1245,7 @@
           <a:p>
             <a:fld id="{9F979499-AB3E-6E46-BA2E-6B86D11B316C}" type="datetimeFigureOut">
               <a:rPr lang="en-US" smtClean="0"/>
-              <a:t>19/4/14</a:t>
+              <a:t>19/4/18</a:t>
             </a:fld>
             <a:endParaRPr lang="en-US"/>
           </a:p>
@@ -1415,7 +1415,7 @@
           <a:p>
             <a:fld id="{9F979499-AB3E-6E46-BA2E-6B86D11B316C}" type="datetimeFigureOut">
               <a:rPr lang="en-US" smtClean="0"/>
-              <a:t>19/4/14</a:t>
+              <a:t>19/4/18</a:t>
             </a:fld>
             <a:endParaRPr lang="en-US"/>
           </a:p>
@@ -1661,7 +1661,7 @@
           <a:p>
             <a:fld id="{9F979499-AB3E-6E46-BA2E-6B86D11B316C}" type="datetimeFigureOut">
               <a:rPr lang="en-US" smtClean="0"/>
-              <a:t>19/4/14</a:t>
+              <a:t>19/4/18</a:t>
             </a:fld>
             <a:endParaRPr lang="en-US"/>
           </a:p>
@@ -1949,7 +1949,7 @@
           <a:p>
             <a:fld id="{9F979499-AB3E-6E46-BA2E-6B86D11B316C}" type="datetimeFigureOut">
               <a:rPr lang="en-US" smtClean="0"/>
-              <a:t>19/4/14</a:t>
+              <a:t>19/4/18</a:t>
             </a:fld>
             <a:endParaRPr lang="en-US"/>
           </a:p>
@@ -2371,7 +2371,7 @@
           <a:p>
             <a:fld id="{9F979499-AB3E-6E46-BA2E-6B86D11B316C}" type="datetimeFigureOut">
               <a:rPr lang="en-US" smtClean="0"/>
-              <a:t>19/4/14</a:t>
+              <a:t>19/4/18</a:t>
             </a:fld>
             <a:endParaRPr lang="en-US"/>
           </a:p>
@@ -2489,7 +2489,7 @@
           <a:p>
             <a:fld id="{9F979499-AB3E-6E46-BA2E-6B86D11B316C}" type="datetimeFigureOut">
               <a:rPr lang="en-US" smtClean="0"/>
-              <a:t>19/4/14</a:t>
+              <a:t>19/4/18</a:t>
             </a:fld>
             <a:endParaRPr lang="en-US"/>
           </a:p>
@@ -2584,7 +2584,7 @@
           <a:p>
             <a:fld id="{9F979499-AB3E-6E46-BA2E-6B86D11B316C}" type="datetimeFigureOut">
               <a:rPr lang="en-US" smtClean="0"/>
-              <a:t>19/4/14</a:t>
+              <a:t>19/4/18</a:t>
             </a:fld>
             <a:endParaRPr lang="en-US"/>
           </a:p>
@@ -2861,7 +2861,7 @@
           <a:p>
             <a:fld id="{9F979499-AB3E-6E46-BA2E-6B86D11B316C}" type="datetimeFigureOut">
               <a:rPr lang="en-US" smtClean="0"/>
-              <a:t>19/4/14</a:t>
+              <a:t>19/4/18</a:t>
             </a:fld>
             <a:endParaRPr lang="en-US"/>
           </a:p>
@@ -3114,7 +3114,7 @@
           <a:p>
             <a:fld id="{9F979499-AB3E-6E46-BA2E-6B86D11B316C}" type="datetimeFigureOut">
               <a:rPr lang="en-US" smtClean="0"/>
-              <a:t>19/4/14</a:t>
+              <a:t>19/4/18</a:t>
             </a:fld>
             <a:endParaRPr lang="en-US"/>
           </a:p>
@@ -3327,7 +3327,7 @@
           <a:p>
             <a:fld id="{9F979499-AB3E-6E46-BA2E-6B86D11B316C}" type="datetimeFigureOut">
               <a:rPr lang="en-US" smtClean="0"/>
-              <a:t>19/4/14</a:t>
+              <a:t>19/4/18</a:t>
             </a:fld>
             <a:endParaRPr lang="en-US"/>
           </a:p>
@@ -4101,292 +4101,6 @@
           </a:fontRef>
         </p:style>
       </p:cxnSp>
-      <p:sp>
-        <p:nvSpPr>
-          <p:cNvPr id="14" name="Rectangle 13"/>
-          <p:cNvSpPr/>
-          <p:nvPr/>
-        </p:nvSpPr>
-        <p:spPr>
-          <a:xfrm>
-            <a:off x="5852563" y="3426994"/>
-            <a:ext cx="739148" cy="246992"/>
-          </a:xfrm>
-          <a:prstGeom prst="rect">
-            <a:avLst/>
-          </a:prstGeom>
-          <a:solidFill>
-            <a:srgbClr val="21FF06">
-              <a:alpha val="40000"/>
-            </a:srgbClr>
-          </a:solidFill>
-          <a:ln>
-            <a:noFill/>
-          </a:ln>
-          <a:effectLst>
-            <a:outerShdw blurRad="40005" dist="22987" dir="5400000" algn="tl" rotWithShape="0">
-              <a:srgbClr val="000000">
-                <a:alpha val="35000"/>
-              </a:srgbClr>
-            </a:outerShdw>
-          </a:effectLst>
-        </p:spPr>
-        <p:style>
-          <a:lnRef idx="1">
-            <a:schemeClr val="accent1"/>
-          </a:lnRef>
-          <a:fillRef idx="3">
-            <a:schemeClr val="accent1"/>
-          </a:fillRef>
-          <a:effectRef idx="2">
-            <a:schemeClr val="accent1"/>
-          </a:effectRef>
-          <a:fontRef idx="minor">
-            <a:schemeClr val="lt1"/>
-          </a:fontRef>
-        </p:style>
-        <p:txBody>
-          <a:bodyPr rtlCol="0" anchor="ctr"/>
-          <a:lstStyle/>
-          <a:p>
-            <a:pPr algn="ctr"/>
-            <a:r>
-              <a:rPr lang="en-US" altLang="zh-CN" sz="1000" dirty="0" smtClean="0">
-                <a:solidFill>
-                  <a:schemeClr val="tx1"/>
-                </a:solidFill>
-              </a:rPr>
-              <a:t>Zookeeper</a:t>
-            </a:r>
-            <a:endParaRPr lang="en-US" sz="1000" dirty="0">
-              <a:solidFill>
-                <a:schemeClr val="tx1"/>
-              </a:solidFill>
-            </a:endParaRPr>
-          </a:p>
-        </p:txBody>
-      </p:sp>
-      <p:sp>
-        <p:nvSpPr>
-          <p:cNvPr id="15" name="Rectangle 14"/>
-          <p:cNvSpPr/>
-          <p:nvPr/>
-        </p:nvSpPr>
-        <p:spPr>
-          <a:xfrm>
-            <a:off x="5852563" y="3088327"/>
-            <a:ext cx="739148" cy="246992"/>
-          </a:xfrm>
-          <a:prstGeom prst="rect">
-            <a:avLst/>
-          </a:prstGeom>
-          <a:solidFill>
-            <a:srgbClr val="21FF06">
-              <a:alpha val="40000"/>
-            </a:srgbClr>
-          </a:solidFill>
-          <a:ln>
-            <a:noFill/>
-          </a:ln>
-          <a:effectLst>
-            <a:outerShdw blurRad="40005" dist="22987" dir="5400000" algn="tl" rotWithShape="0">
-              <a:srgbClr val="000000">
-                <a:alpha val="35000"/>
-              </a:srgbClr>
-            </a:outerShdw>
-          </a:effectLst>
-        </p:spPr>
-        <p:style>
-          <a:lnRef idx="1">
-            <a:schemeClr val="accent1"/>
-          </a:lnRef>
-          <a:fillRef idx="3">
-            <a:schemeClr val="accent1"/>
-          </a:fillRef>
-          <a:effectRef idx="2">
-            <a:schemeClr val="accent1"/>
-          </a:effectRef>
-          <a:fontRef idx="minor">
-            <a:schemeClr val="lt1"/>
-          </a:fontRef>
-        </p:style>
-        <p:txBody>
-          <a:bodyPr rtlCol="0" anchor="ctr"/>
-          <a:lstStyle/>
-          <a:p>
-            <a:pPr algn="ctr"/>
-            <a:r>
-              <a:rPr lang="en-US" altLang="zh-CN" sz="1000" dirty="0" smtClean="0">
-                <a:solidFill>
-                  <a:schemeClr val="tx1"/>
-                </a:solidFill>
-              </a:rPr>
-              <a:t>Zookeeper</a:t>
-            </a:r>
-            <a:endParaRPr lang="en-US" sz="1000" dirty="0">
-              <a:solidFill>
-                <a:schemeClr val="tx1"/>
-              </a:solidFill>
-            </a:endParaRPr>
-          </a:p>
-        </p:txBody>
-      </p:sp>
-      <p:sp>
-        <p:nvSpPr>
-          <p:cNvPr id="16" name="Rectangle 15"/>
-          <p:cNvSpPr/>
-          <p:nvPr/>
-        </p:nvSpPr>
-        <p:spPr>
-          <a:xfrm>
-            <a:off x="5835631" y="2751491"/>
-            <a:ext cx="739148" cy="246992"/>
-          </a:xfrm>
-          <a:prstGeom prst="rect">
-            <a:avLst/>
-          </a:prstGeom>
-          <a:solidFill>
-            <a:srgbClr val="21FF06">
-              <a:alpha val="40000"/>
-            </a:srgbClr>
-          </a:solidFill>
-          <a:ln>
-            <a:noFill/>
-          </a:ln>
-          <a:effectLst>
-            <a:outerShdw blurRad="40005" dist="22987" dir="5400000" algn="tl" rotWithShape="0">
-              <a:srgbClr val="000000">
-                <a:alpha val="35000"/>
-              </a:srgbClr>
-            </a:outerShdw>
-          </a:effectLst>
-        </p:spPr>
-        <p:style>
-          <a:lnRef idx="1">
-            <a:schemeClr val="accent1"/>
-          </a:lnRef>
-          <a:fillRef idx="3">
-            <a:schemeClr val="accent1"/>
-          </a:fillRef>
-          <a:effectRef idx="2">
-            <a:schemeClr val="accent1"/>
-          </a:effectRef>
-          <a:fontRef idx="minor">
-            <a:schemeClr val="lt1"/>
-          </a:fontRef>
-        </p:style>
-        <p:txBody>
-          <a:bodyPr rtlCol="0" anchor="ctr"/>
-          <a:lstStyle/>
-          <a:p>
-            <a:pPr algn="ctr"/>
-            <a:r>
-              <a:rPr lang="en-US" altLang="zh-CN" sz="1000" dirty="0" smtClean="0">
-                <a:solidFill>
-                  <a:schemeClr val="tx1"/>
-                </a:solidFill>
-              </a:rPr>
-              <a:t>Zookeeper</a:t>
-            </a:r>
-            <a:endParaRPr lang="en-US" sz="1000" dirty="0">
-              <a:solidFill>
-                <a:schemeClr val="tx1"/>
-              </a:solidFill>
-            </a:endParaRPr>
-          </a:p>
-        </p:txBody>
-      </p:sp>
-      <p:sp>
-        <p:nvSpPr>
-          <p:cNvPr id="17" name="Rectangle 16"/>
-          <p:cNvSpPr/>
-          <p:nvPr/>
-        </p:nvSpPr>
-        <p:spPr>
-          <a:xfrm>
-            <a:off x="5767894" y="2643111"/>
-            <a:ext cx="890721" cy="1118312"/>
-          </a:xfrm>
-          <a:prstGeom prst="rect">
-            <a:avLst/>
-          </a:prstGeom>
-          <a:noFill/>
-          <a:ln w="3175" cmpd="sng">
-            <a:solidFill>
-              <a:schemeClr val="tx1">
-                <a:lumMod val="50000"/>
-                <a:lumOff val="50000"/>
-              </a:schemeClr>
-            </a:solidFill>
-            <a:prstDash val="solid"/>
-          </a:ln>
-        </p:spPr>
-        <p:style>
-          <a:lnRef idx="1">
-            <a:schemeClr val="accent1"/>
-          </a:lnRef>
-          <a:fillRef idx="3">
-            <a:schemeClr val="accent1"/>
-          </a:fillRef>
-          <a:effectRef idx="2">
-            <a:schemeClr val="accent1"/>
-          </a:effectRef>
-          <a:fontRef idx="minor">
-            <a:schemeClr val="lt1"/>
-          </a:fontRef>
-        </p:style>
-        <p:txBody>
-          <a:bodyPr rtlCol="0" anchor="ctr"/>
-          <a:lstStyle/>
-          <a:p>
-            <a:pPr algn="ctr"/>
-            <a:endParaRPr lang="en-US"/>
-          </a:p>
-        </p:txBody>
-      </p:sp>
-      <p:cxnSp>
-        <p:nvCxnSpPr>
-          <p:cNvPr id="18" name="Curved Connector 26"/>
-          <p:cNvCxnSpPr>
-            <a:stCxn id="3" idx="3"/>
-            <a:endCxn id="17" idx="1"/>
-          </p:cNvCxnSpPr>
-          <p:nvPr/>
-        </p:nvCxnSpPr>
-        <p:spPr>
-          <a:xfrm>
-            <a:off x="5318068" y="3198282"/>
-            <a:ext cx="449826" cy="3985"/>
-          </a:xfrm>
-          <a:prstGeom prst="straightConnector1">
-            <a:avLst/>
-          </a:prstGeom>
-          <a:ln w="3175" cmpd="sng">
-            <a:solidFill>
-              <a:schemeClr val="tx1">
-                <a:lumMod val="50000"/>
-                <a:lumOff val="50000"/>
-              </a:schemeClr>
-            </a:solidFill>
-            <a:prstDash val="dash"/>
-            <a:tailEnd type="arrow" w="med" len="med"/>
-          </a:ln>
-        </p:spPr>
-        <p:style>
-          <a:lnRef idx="2">
-            <a:schemeClr val="accent1"/>
-          </a:lnRef>
-          <a:fillRef idx="0">
-            <a:schemeClr val="accent1"/>
-          </a:fillRef>
-          <a:effectRef idx="1">
-            <a:schemeClr val="accent1"/>
-          </a:effectRef>
-          <a:fontRef idx="minor">
-            <a:schemeClr val="tx1"/>
-          </a:fontRef>
-        </p:style>
-      </p:cxnSp>
     </p:spTree>
     <p:extLst>
       <p:ext uri="{BB962C8B-B14F-4D97-AF65-F5344CB8AC3E}">
@@ -4770,11 +4484,7 @@
           <a:p>
             <a:r>
               <a:rPr lang="en-US" sz="1000" dirty="0" smtClean="0"/>
-              <a:t>127.0.0.1:</a:t>
-            </a:r>
-            <a:r>
-              <a:rPr lang="en-US" sz="1000" dirty="0" smtClean="0"/>
-              <a:t>11111</a:t>
+              <a:t>127.0.0.1:11111</a:t>
             </a:r>
           </a:p>
           <a:p>
@@ -5035,15 +4745,7 @@
                   <a:srgbClr val="7F7F7F"/>
                 </a:solidFill>
               </a:rPr>
-              <a:t>127.0.0.1:</a:t>
-            </a:r>
-            <a:r>
-              <a:rPr lang="en-US" sz="1000" dirty="0" smtClean="0">
-                <a:solidFill>
-                  <a:srgbClr val="7F7F7F"/>
-                </a:solidFill>
-              </a:rPr>
-              <a:t>21111</a:t>
+              <a:t>127.0.0.1:21111</a:t>
             </a:r>
           </a:p>
           <a:p>
@@ -5940,11 +5642,7 @@
             <a:pPr algn="r"/>
             <a:r>
               <a:rPr lang="en-US" sz="1200" dirty="0" smtClean="0"/>
-              <a:t>Canal </a:t>
-            </a:r>
-            <a:r>
-              <a:rPr lang="en-US" sz="1200" dirty="0" smtClean="0"/>
-              <a:t>Server</a:t>
+              <a:t>Canal Server</a:t>
             </a:r>
             <a:endParaRPr lang="en-US" sz="1200" dirty="0"/>
           </a:p>
@@ -6121,11 +5819,6 @@
               </a:rPr>
               <a:t>Client 2</a:t>
             </a:r>
-            <a:endParaRPr lang="en-US" sz="1200" dirty="0">
-              <a:solidFill>
-                <a:schemeClr val="bg1"/>
-              </a:solidFill>
-            </a:endParaRPr>
           </a:p>
         </p:txBody>
       </p:sp>
@@ -6271,11 +5964,7 @@
             <a:pPr algn="r"/>
             <a:r>
               <a:rPr lang="en-US" sz="1000" dirty="0" smtClean="0"/>
-              <a:t>127.0.0.1:</a:t>
-            </a:r>
-            <a:r>
-              <a:rPr lang="en-US" sz="1000" dirty="0" smtClean="0"/>
-              <a:t>330</a:t>
+              <a:t>127.0.0.1:330</a:t>
             </a:r>
             <a:r>
               <a:rPr lang="en-US" altLang="zh-CN" sz="1000" dirty="0" smtClean="0"/>
@@ -6362,292 +6051,6 @@
               <a:srgbClr val="3366FF"/>
             </a:solidFill>
             <a:tailEnd type="stealth" w="lg" len="lg"/>
-          </a:ln>
-        </p:spPr>
-        <p:style>
-          <a:lnRef idx="2">
-            <a:schemeClr val="accent1"/>
-          </a:lnRef>
-          <a:fillRef idx="0">
-            <a:schemeClr val="accent1"/>
-          </a:fillRef>
-          <a:effectRef idx="1">
-            <a:schemeClr val="accent1"/>
-          </a:effectRef>
-          <a:fontRef idx="minor">
-            <a:schemeClr val="tx1"/>
-          </a:fontRef>
-        </p:style>
-      </p:cxnSp>
-      <p:sp>
-        <p:nvSpPr>
-          <p:cNvPr id="45" name="Rectangle 44"/>
-          <p:cNvSpPr/>
-          <p:nvPr/>
-        </p:nvSpPr>
-        <p:spPr>
-          <a:xfrm>
-            <a:off x="5920300" y="3676822"/>
-            <a:ext cx="739148" cy="246992"/>
-          </a:xfrm>
-          <a:prstGeom prst="rect">
-            <a:avLst/>
-          </a:prstGeom>
-          <a:solidFill>
-            <a:srgbClr val="21FF06">
-              <a:alpha val="40000"/>
-            </a:srgbClr>
-          </a:solidFill>
-          <a:ln>
-            <a:noFill/>
-          </a:ln>
-          <a:effectLst>
-            <a:outerShdw blurRad="40005" dist="22987" dir="5400000" algn="tl" rotWithShape="0">
-              <a:srgbClr val="000000">
-                <a:alpha val="35000"/>
-              </a:srgbClr>
-            </a:outerShdw>
-          </a:effectLst>
-        </p:spPr>
-        <p:style>
-          <a:lnRef idx="1">
-            <a:schemeClr val="accent1"/>
-          </a:lnRef>
-          <a:fillRef idx="3">
-            <a:schemeClr val="accent1"/>
-          </a:fillRef>
-          <a:effectRef idx="2">
-            <a:schemeClr val="accent1"/>
-          </a:effectRef>
-          <a:fontRef idx="minor">
-            <a:schemeClr val="lt1"/>
-          </a:fontRef>
-        </p:style>
-        <p:txBody>
-          <a:bodyPr rtlCol="0" anchor="ctr"/>
-          <a:lstStyle/>
-          <a:p>
-            <a:pPr algn="ctr"/>
-            <a:r>
-              <a:rPr lang="en-US" altLang="zh-CN" sz="1000" dirty="0" smtClean="0">
-                <a:solidFill>
-                  <a:schemeClr val="tx1"/>
-                </a:solidFill>
-              </a:rPr>
-              <a:t>Zookeeper</a:t>
-            </a:r>
-            <a:endParaRPr lang="en-US" sz="1000" dirty="0">
-              <a:solidFill>
-                <a:schemeClr val="tx1"/>
-              </a:solidFill>
-            </a:endParaRPr>
-          </a:p>
-        </p:txBody>
-      </p:sp>
-      <p:sp>
-        <p:nvSpPr>
-          <p:cNvPr id="46" name="Rectangle 45"/>
-          <p:cNvSpPr/>
-          <p:nvPr/>
-        </p:nvSpPr>
-        <p:spPr>
-          <a:xfrm>
-            <a:off x="5920300" y="3338155"/>
-            <a:ext cx="739148" cy="246992"/>
-          </a:xfrm>
-          <a:prstGeom prst="rect">
-            <a:avLst/>
-          </a:prstGeom>
-          <a:solidFill>
-            <a:srgbClr val="21FF06">
-              <a:alpha val="40000"/>
-            </a:srgbClr>
-          </a:solidFill>
-          <a:ln>
-            <a:noFill/>
-          </a:ln>
-          <a:effectLst>
-            <a:outerShdw blurRad="40005" dist="22987" dir="5400000" algn="tl" rotWithShape="0">
-              <a:srgbClr val="000000">
-                <a:alpha val="35000"/>
-              </a:srgbClr>
-            </a:outerShdw>
-          </a:effectLst>
-        </p:spPr>
-        <p:style>
-          <a:lnRef idx="1">
-            <a:schemeClr val="accent1"/>
-          </a:lnRef>
-          <a:fillRef idx="3">
-            <a:schemeClr val="accent1"/>
-          </a:fillRef>
-          <a:effectRef idx="2">
-            <a:schemeClr val="accent1"/>
-          </a:effectRef>
-          <a:fontRef idx="minor">
-            <a:schemeClr val="lt1"/>
-          </a:fontRef>
-        </p:style>
-        <p:txBody>
-          <a:bodyPr rtlCol="0" anchor="ctr"/>
-          <a:lstStyle/>
-          <a:p>
-            <a:pPr algn="ctr"/>
-            <a:r>
-              <a:rPr lang="en-US" altLang="zh-CN" sz="1000" dirty="0" smtClean="0">
-                <a:solidFill>
-                  <a:schemeClr val="tx1"/>
-                </a:solidFill>
-              </a:rPr>
-              <a:t>Zookeeper</a:t>
-            </a:r>
-            <a:endParaRPr lang="en-US" sz="1000" dirty="0">
-              <a:solidFill>
-                <a:schemeClr val="tx1"/>
-              </a:solidFill>
-            </a:endParaRPr>
-          </a:p>
-        </p:txBody>
-      </p:sp>
-      <p:sp>
-        <p:nvSpPr>
-          <p:cNvPr id="48" name="Rectangle 47"/>
-          <p:cNvSpPr/>
-          <p:nvPr/>
-        </p:nvSpPr>
-        <p:spPr>
-          <a:xfrm>
-            <a:off x="5903368" y="3001319"/>
-            <a:ext cx="739148" cy="246992"/>
-          </a:xfrm>
-          <a:prstGeom prst="rect">
-            <a:avLst/>
-          </a:prstGeom>
-          <a:solidFill>
-            <a:srgbClr val="21FF06">
-              <a:alpha val="40000"/>
-            </a:srgbClr>
-          </a:solidFill>
-          <a:ln>
-            <a:noFill/>
-          </a:ln>
-          <a:effectLst>
-            <a:outerShdw blurRad="40005" dist="22987" dir="5400000" algn="tl" rotWithShape="0">
-              <a:srgbClr val="000000">
-                <a:alpha val="35000"/>
-              </a:srgbClr>
-            </a:outerShdw>
-          </a:effectLst>
-        </p:spPr>
-        <p:style>
-          <a:lnRef idx="1">
-            <a:schemeClr val="accent1"/>
-          </a:lnRef>
-          <a:fillRef idx="3">
-            <a:schemeClr val="accent1"/>
-          </a:fillRef>
-          <a:effectRef idx="2">
-            <a:schemeClr val="accent1"/>
-          </a:effectRef>
-          <a:fontRef idx="minor">
-            <a:schemeClr val="lt1"/>
-          </a:fontRef>
-        </p:style>
-        <p:txBody>
-          <a:bodyPr rtlCol="0" anchor="ctr"/>
-          <a:lstStyle/>
-          <a:p>
-            <a:pPr algn="ctr"/>
-            <a:r>
-              <a:rPr lang="en-US" altLang="zh-CN" sz="1000" dirty="0" smtClean="0">
-                <a:solidFill>
-                  <a:schemeClr val="tx1"/>
-                </a:solidFill>
-              </a:rPr>
-              <a:t>Zookeeper</a:t>
-            </a:r>
-            <a:endParaRPr lang="en-US" sz="1000" dirty="0">
-              <a:solidFill>
-                <a:schemeClr val="tx1"/>
-              </a:solidFill>
-            </a:endParaRPr>
-          </a:p>
-        </p:txBody>
-      </p:sp>
-      <p:sp>
-        <p:nvSpPr>
-          <p:cNvPr id="49" name="Rectangle 48"/>
-          <p:cNvSpPr/>
-          <p:nvPr/>
-        </p:nvSpPr>
-        <p:spPr>
-          <a:xfrm>
-            <a:off x="5835631" y="2892939"/>
-            <a:ext cx="890721" cy="1118312"/>
-          </a:xfrm>
-          <a:prstGeom prst="rect">
-            <a:avLst/>
-          </a:prstGeom>
-          <a:noFill/>
-          <a:ln w="3175" cmpd="sng">
-            <a:solidFill>
-              <a:schemeClr val="tx1">
-                <a:lumMod val="50000"/>
-                <a:lumOff val="50000"/>
-              </a:schemeClr>
-            </a:solidFill>
-            <a:prstDash val="solid"/>
-          </a:ln>
-        </p:spPr>
-        <p:style>
-          <a:lnRef idx="1">
-            <a:schemeClr val="accent1"/>
-          </a:lnRef>
-          <a:fillRef idx="3">
-            <a:schemeClr val="accent1"/>
-          </a:fillRef>
-          <a:effectRef idx="2">
-            <a:schemeClr val="accent1"/>
-          </a:effectRef>
-          <a:fontRef idx="minor">
-            <a:schemeClr val="lt1"/>
-          </a:fontRef>
-        </p:style>
-        <p:txBody>
-          <a:bodyPr rtlCol="0" anchor="ctr"/>
-          <a:lstStyle/>
-          <a:p>
-            <a:pPr algn="ctr"/>
-            <a:endParaRPr lang="en-US"/>
-          </a:p>
-        </p:txBody>
-      </p:sp>
-      <p:cxnSp>
-        <p:nvCxnSpPr>
-          <p:cNvPr id="50" name="Curved Connector 26"/>
-          <p:cNvCxnSpPr>
-            <a:stCxn id="3" idx="3"/>
-            <a:endCxn id="49" idx="1"/>
-          </p:cNvCxnSpPr>
-          <p:nvPr/>
-        </p:nvCxnSpPr>
-        <p:spPr>
-          <a:xfrm flipV="1">
-            <a:off x="5492806" y="3452095"/>
-            <a:ext cx="342825" cy="4800"/>
-          </a:xfrm>
-          <a:prstGeom prst="straightConnector1">
-            <a:avLst/>
-          </a:prstGeom>
-          <a:ln w="3175" cmpd="sng">
-            <a:solidFill>
-              <a:schemeClr val="tx1">
-                <a:lumMod val="50000"/>
-                <a:lumOff val="50000"/>
-              </a:schemeClr>
-            </a:solidFill>
-            <a:prstDash val="dash"/>
-            <a:tailEnd type="arrow" w="med" len="med"/>
           </a:ln>
         </p:spPr>
         <p:style>
